--- a/d2p.pptx
+++ b/d2p.pptx
@@ -10,14 +10,17 @@
     <p:sldId id="258" r:id="rId4"/>
     <p:sldId id="260" r:id="rId5"/>
     <p:sldId id="270" r:id="rId6"/>
-    <p:sldId id="261" r:id="rId7"/>
-    <p:sldId id="262" r:id="rId8"/>
-    <p:sldId id="265" r:id="rId9"/>
-    <p:sldId id="263" r:id="rId10"/>
-    <p:sldId id="264" r:id="rId11"/>
-    <p:sldId id="266" r:id="rId12"/>
-    <p:sldId id="267" r:id="rId13"/>
-    <p:sldId id="269" r:id="rId14"/>
+    <p:sldId id="271" r:id="rId7"/>
+    <p:sldId id="272" r:id="rId8"/>
+    <p:sldId id="261" r:id="rId9"/>
+    <p:sldId id="262" r:id="rId10"/>
+    <p:sldId id="273" r:id="rId11"/>
+    <p:sldId id="265" r:id="rId12"/>
+    <p:sldId id="263" r:id="rId13"/>
+    <p:sldId id="264" r:id="rId14"/>
+    <p:sldId id="266" r:id="rId15"/>
+    <p:sldId id="267" r:id="rId16"/>
+    <p:sldId id="269" r:id="rId17"/>
   </p:sldIdLst>
   <p:sldSz cx="12192000" cy="6858000"/>
   <p:notesSz cx="7023100" cy="9309100"/>
@@ -116,6 +119,11 @@
       </a:defRPr>
     </a:lvl9pPr>
   </p:defaultTextStyle>
+  <p:extLst>
+    <p:ext uri="{EFAFB233-063F-42B5-8137-9DF3F51BA10A}">
+      <p15:sldGuideLst xmlns:p15="http://schemas.microsoft.com/office/powerpoint/2012/main"/>
+    </p:ext>
+  </p:extLst>
 </p:presentation>
 </file>
 
@@ -1034,6 +1042,788 @@
     <dgm:txLinClrLst/>
     <dgm:txFillClrLst meth="repeat">
       <a:schemeClr val="bg1"/>
+    </dgm:txFillClrLst>
+    <dgm:txEffectClrLst/>
+  </dgm:styleLbl>
+</dgm:colorsDef>
+</file>
+
+<file path=ppt/diagrams/colors2.xml><?xml version="1.0" encoding="utf-8"?>
+<dgm:colorsDef xmlns:dgm="http://schemas.openxmlformats.org/drawingml/2006/diagram" xmlns:a="http://schemas.openxmlformats.org/drawingml/2006/main" uniqueId="urn:microsoft.com/office/officeart/2005/8/colors/colorful2">
+  <dgm:title val=""/>
+  <dgm:desc val=""/>
+  <dgm:catLst>
+    <dgm:cat type="colorful" pri="10200"/>
+  </dgm:catLst>
+  <dgm:styleLbl name="node0">
+    <dgm:fillClrLst meth="repeat">
+      <a:schemeClr val="accent1"/>
+    </dgm:fillClrLst>
+    <dgm:linClrLst meth="repeat">
+      <a:schemeClr val="lt1"/>
+    </dgm:linClrLst>
+    <dgm:effectClrLst/>
+    <dgm:txLinClrLst/>
+    <dgm:txFillClrLst/>
+    <dgm:txEffectClrLst/>
+  </dgm:styleLbl>
+  <dgm:styleLbl name="node1">
+    <dgm:fillClrLst>
+      <a:schemeClr val="accent2"/>
+      <a:schemeClr val="accent3"/>
+    </dgm:fillClrLst>
+    <dgm:linClrLst meth="repeat">
+      <a:schemeClr val="lt1"/>
+    </dgm:linClrLst>
+    <dgm:effectClrLst/>
+    <dgm:txLinClrLst/>
+    <dgm:txFillClrLst/>
+    <dgm:txEffectClrLst/>
+  </dgm:styleLbl>
+  <dgm:styleLbl name="alignNode1">
+    <dgm:fillClrLst>
+      <a:schemeClr val="accent2"/>
+      <a:schemeClr val="accent3"/>
+    </dgm:fillClrLst>
+    <dgm:linClrLst>
+      <a:schemeClr val="accent2"/>
+      <a:schemeClr val="accent3"/>
+    </dgm:linClrLst>
+    <dgm:effectClrLst/>
+    <dgm:txLinClrLst/>
+    <dgm:txFillClrLst/>
+    <dgm:txEffectClrLst/>
+  </dgm:styleLbl>
+  <dgm:styleLbl name="lnNode1">
+    <dgm:fillClrLst>
+      <a:schemeClr val="accent2"/>
+      <a:schemeClr val="accent3"/>
+    </dgm:fillClrLst>
+    <dgm:linClrLst meth="repeat">
+      <a:schemeClr val="lt1"/>
+    </dgm:linClrLst>
+    <dgm:effectClrLst/>
+    <dgm:txLinClrLst/>
+    <dgm:txFillClrLst/>
+    <dgm:txEffectClrLst/>
+  </dgm:styleLbl>
+  <dgm:styleLbl name="vennNode1">
+    <dgm:fillClrLst>
+      <a:schemeClr val="accent2">
+        <a:alpha val="50000"/>
+      </a:schemeClr>
+      <a:schemeClr val="accent3">
+        <a:alpha val="50000"/>
+      </a:schemeClr>
+    </dgm:fillClrLst>
+    <dgm:linClrLst meth="repeat">
+      <a:schemeClr val="lt1"/>
+    </dgm:linClrLst>
+    <dgm:effectClrLst/>
+    <dgm:txLinClrLst/>
+    <dgm:txFillClrLst/>
+    <dgm:txEffectClrLst/>
+  </dgm:styleLbl>
+  <dgm:styleLbl name="node2">
+    <dgm:fillClrLst>
+      <a:schemeClr val="accent3"/>
+    </dgm:fillClrLst>
+    <dgm:linClrLst meth="repeat">
+      <a:schemeClr val="lt1"/>
+    </dgm:linClrLst>
+    <dgm:effectClrLst/>
+    <dgm:txLinClrLst/>
+    <dgm:txFillClrLst/>
+    <dgm:txEffectClrLst/>
+  </dgm:styleLbl>
+  <dgm:styleLbl name="node3">
+    <dgm:fillClrLst>
+      <a:schemeClr val="accent4"/>
+    </dgm:fillClrLst>
+    <dgm:linClrLst meth="repeat">
+      <a:schemeClr val="lt1"/>
+    </dgm:linClrLst>
+    <dgm:effectClrLst/>
+    <dgm:txLinClrLst/>
+    <dgm:txFillClrLst/>
+    <dgm:txEffectClrLst/>
+  </dgm:styleLbl>
+  <dgm:styleLbl name="node4">
+    <dgm:fillClrLst>
+      <a:schemeClr val="accent5"/>
+    </dgm:fillClrLst>
+    <dgm:linClrLst meth="repeat">
+      <a:schemeClr val="lt1"/>
+    </dgm:linClrLst>
+    <dgm:effectClrLst/>
+    <dgm:txLinClrLst/>
+    <dgm:txFillClrLst/>
+    <dgm:txEffectClrLst/>
+  </dgm:styleLbl>
+  <dgm:styleLbl name="fgImgPlace1">
+    <dgm:fillClrLst>
+      <a:schemeClr val="accent2">
+        <a:tint val="50000"/>
+      </a:schemeClr>
+      <a:schemeClr val="accent3">
+        <a:tint val="50000"/>
+      </a:schemeClr>
+    </dgm:fillClrLst>
+    <dgm:linClrLst meth="repeat">
+      <a:schemeClr val="lt1"/>
+    </dgm:linClrLst>
+    <dgm:effectClrLst/>
+    <dgm:txLinClrLst/>
+    <dgm:txFillClrLst meth="repeat">
+      <a:schemeClr val="lt1"/>
+    </dgm:txFillClrLst>
+    <dgm:txEffectClrLst/>
+  </dgm:styleLbl>
+  <dgm:styleLbl name="alignImgPlace1">
+    <dgm:fillClrLst>
+      <a:schemeClr val="accent2">
+        <a:tint val="50000"/>
+      </a:schemeClr>
+      <a:schemeClr val="accent3">
+        <a:tint val="20000"/>
+      </a:schemeClr>
+    </dgm:fillClrLst>
+    <dgm:linClrLst meth="repeat">
+      <a:schemeClr val="lt1"/>
+    </dgm:linClrLst>
+    <dgm:effectClrLst/>
+    <dgm:txLinClrLst/>
+    <dgm:txFillClrLst meth="repeat">
+      <a:schemeClr val="lt1"/>
+    </dgm:txFillClrLst>
+    <dgm:txEffectClrLst/>
+  </dgm:styleLbl>
+  <dgm:styleLbl name="bgImgPlace1">
+    <dgm:fillClrLst>
+      <a:schemeClr val="accent2">
+        <a:tint val="50000"/>
+      </a:schemeClr>
+      <a:schemeClr val="accent3">
+        <a:tint val="20000"/>
+      </a:schemeClr>
+    </dgm:fillClrLst>
+    <dgm:linClrLst meth="repeat">
+      <a:schemeClr val="lt1"/>
+    </dgm:linClrLst>
+    <dgm:effectClrLst/>
+    <dgm:txLinClrLst/>
+    <dgm:txFillClrLst meth="repeat">
+      <a:schemeClr val="lt1"/>
+    </dgm:txFillClrLst>
+    <dgm:txEffectClrLst/>
+  </dgm:styleLbl>
+  <dgm:styleLbl name="sibTrans2D1">
+    <dgm:fillClrLst>
+      <a:schemeClr val="accent2"/>
+      <a:schemeClr val="accent3"/>
+    </dgm:fillClrLst>
+    <dgm:linClrLst meth="repeat">
+      <a:schemeClr val="lt1"/>
+    </dgm:linClrLst>
+    <dgm:effectClrLst/>
+    <dgm:txLinClrLst/>
+    <dgm:txFillClrLst/>
+    <dgm:txEffectClrLst/>
+  </dgm:styleLbl>
+  <dgm:styleLbl name="fgSibTrans2D1">
+    <dgm:fillClrLst>
+      <a:schemeClr val="accent2"/>
+      <a:schemeClr val="accent3"/>
+    </dgm:fillClrLst>
+    <dgm:linClrLst meth="repeat">
+      <a:schemeClr val="lt1"/>
+    </dgm:linClrLst>
+    <dgm:effectClrLst/>
+    <dgm:txLinClrLst/>
+    <dgm:txFillClrLst meth="repeat">
+      <a:schemeClr val="lt1"/>
+    </dgm:txFillClrLst>
+    <dgm:txEffectClrLst/>
+  </dgm:styleLbl>
+  <dgm:styleLbl name="bgSibTrans2D1">
+    <dgm:fillClrLst>
+      <a:schemeClr val="accent2"/>
+      <a:schemeClr val="accent3"/>
+    </dgm:fillClrLst>
+    <dgm:linClrLst meth="repeat">
+      <a:schemeClr val="lt1"/>
+    </dgm:linClrLst>
+    <dgm:effectClrLst/>
+    <dgm:txLinClrLst/>
+    <dgm:txFillClrLst meth="repeat">
+      <a:schemeClr val="lt1"/>
+    </dgm:txFillClrLst>
+    <dgm:txEffectClrLst/>
+  </dgm:styleLbl>
+  <dgm:styleLbl name="sibTrans1D1">
+    <dgm:fillClrLst/>
+    <dgm:linClrLst>
+      <a:schemeClr val="accent2"/>
+      <a:schemeClr val="accent3"/>
+    </dgm:linClrLst>
+    <dgm:effectClrLst/>
+    <dgm:txLinClrLst/>
+    <dgm:txFillClrLst meth="repeat">
+      <a:schemeClr val="tx1"/>
+    </dgm:txFillClrLst>
+    <dgm:txEffectClrLst/>
+  </dgm:styleLbl>
+  <dgm:styleLbl name="callout">
+    <dgm:fillClrLst meth="repeat">
+      <a:schemeClr val="accent2"/>
+    </dgm:fillClrLst>
+    <dgm:linClrLst meth="repeat">
+      <a:schemeClr val="accent2">
+        <a:tint val="50000"/>
+      </a:schemeClr>
+    </dgm:linClrLst>
+    <dgm:effectClrLst/>
+    <dgm:txLinClrLst/>
+    <dgm:txFillClrLst meth="repeat">
+      <a:schemeClr val="tx1"/>
+    </dgm:txFillClrLst>
+    <dgm:txEffectClrLst/>
+  </dgm:styleLbl>
+  <dgm:styleLbl name="asst0">
+    <dgm:fillClrLst meth="repeat">
+      <a:schemeClr val="accent2"/>
+    </dgm:fillClrLst>
+    <dgm:linClrLst meth="repeat">
+      <a:schemeClr val="lt1">
+        <a:shade val="80000"/>
+      </a:schemeClr>
+    </dgm:linClrLst>
+    <dgm:effectClrLst/>
+    <dgm:txLinClrLst/>
+    <dgm:txFillClrLst/>
+    <dgm:txEffectClrLst/>
+  </dgm:styleLbl>
+  <dgm:styleLbl name="asst1">
+    <dgm:fillClrLst meth="repeat">
+      <a:schemeClr val="accent3"/>
+    </dgm:fillClrLst>
+    <dgm:linClrLst meth="repeat">
+      <a:schemeClr val="lt1">
+        <a:shade val="80000"/>
+      </a:schemeClr>
+    </dgm:linClrLst>
+    <dgm:effectClrLst/>
+    <dgm:txLinClrLst/>
+    <dgm:txFillClrLst/>
+    <dgm:txEffectClrLst/>
+  </dgm:styleLbl>
+  <dgm:styleLbl name="asst2">
+    <dgm:fillClrLst>
+      <a:schemeClr val="accent4"/>
+    </dgm:fillClrLst>
+    <dgm:linClrLst meth="repeat">
+      <a:schemeClr val="lt1"/>
+    </dgm:linClrLst>
+    <dgm:effectClrLst/>
+    <dgm:txLinClrLst/>
+    <dgm:txFillClrLst/>
+    <dgm:txEffectClrLst/>
+  </dgm:styleLbl>
+  <dgm:styleLbl name="asst3">
+    <dgm:fillClrLst>
+      <a:schemeClr val="accent5"/>
+    </dgm:fillClrLst>
+    <dgm:linClrLst meth="repeat">
+      <a:schemeClr val="lt1"/>
+    </dgm:linClrLst>
+    <dgm:effectClrLst/>
+    <dgm:txLinClrLst/>
+    <dgm:txFillClrLst/>
+    <dgm:txEffectClrLst/>
+  </dgm:styleLbl>
+  <dgm:styleLbl name="asst4">
+    <dgm:fillClrLst>
+      <a:schemeClr val="accent6"/>
+    </dgm:fillClrLst>
+    <dgm:linClrLst meth="repeat">
+      <a:schemeClr val="lt1"/>
+    </dgm:linClrLst>
+    <dgm:effectClrLst/>
+    <dgm:txLinClrLst/>
+    <dgm:txFillClrLst/>
+    <dgm:txEffectClrLst/>
+  </dgm:styleLbl>
+  <dgm:styleLbl name="parChTrans2D1">
+    <dgm:fillClrLst meth="repeat">
+      <a:schemeClr val="accent2"/>
+    </dgm:fillClrLst>
+    <dgm:linClrLst meth="repeat">
+      <a:schemeClr val="lt1"/>
+    </dgm:linClrLst>
+    <dgm:effectClrLst/>
+    <dgm:txLinClrLst/>
+    <dgm:txFillClrLst meth="repeat">
+      <a:schemeClr val="lt1"/>
+    </dgm:txFillClrLst>
+    <dgm:txEffectClrLst/>
+  </dgm:styleLbl>
+  <dgm:styleLbl name="parChTrans2D2">
+    <dgm:fillClrLst meth="repeat">
+      <a:schemeClr val="accent3"/>
+    </dgm:fillClrLst>
+    <dgm:linClrLst meth="repeat">
+      <a:schemeClr val="lt1"/>
+    </dgm:linClrLst>
+    <dgm:effectClrLst/>
+    <dgm:txLinClrLst/>
+    <dgm:txFillClrLst/>
+    <dgm:txEffectClrLst/>
+  </dgm:styleLbl>
+  <dgm:styleLbl name="parChTrans2D3">
+    <dgm:fillClrLst meth="repeat">
+      <a:schemeClr val="accent4"/>
+    </dgm:fillClrLst>
+    <dgm:linClrLst meth="repeat">
+      <a:schemeClr val="lt1"/>
+    </dgm:linClrLst>
+    <dgm:effectClrLst/>
+    <dgm:txLinClrLst/>
+    <dgm:txFillClrLst/>
+    <dgm:txEffectClrLst/>
+  </dgm:styleLbl>
+  <dgm:styleLbl name="parChTrans2D4">
+    <dgm:fillClrLst meth="repeat">
+      <a:schemeClr val="accent5"/>
+    </dgm:fillClrLst>
+    <dgm:linClrLst meth="repeat">
+      <a:schemeClr val="lt1"/>
+    </dgm:linClrLst>
+    <dgm:effectClrLst/>
+    <dgm:txLinClrLst/>
+    <dgm:txFillClrLst meth="repeat">
+      <a:schemeClr val="lt1"/>
+    </dgm:txFillClrLst>
+    <dgm:txEffectClrLst/>
+  </dgm:styleLbl>
+  <dgm:styleLbl name="parChTrans1D1">
+    <dgm:fillClrLst meth="repeat">
+      <a:schemeClr val="accent2"/>
+    </dgm:fillClrLst>
+    <dgm:linClrLst meth="repeat">
+      <a:schemeClr val="accent2"/>
+    </dgm:linClrLst>
+    <dgm:effectClrLst/>
+    <dgm:txLinClrLst/>
+    <dgm:txFillClrLst meth="repeat">
+      <a:schemeClr val="tx1"/>
+    </dgm:txFillClrLst>
+    <dgm:txEffectClrLst/>
+  </dgm:styleLbl>
+  <dgm:styleLbl name="parChTrans1D2">
+    <dgm:fillClrLst meth="repeat">
+      <a:schemeClr val="accent2">
+        <a:tint val="90000"/>
+      </a:schemeClr>
+    </dgm:fillClrLst>
+    <dgm:linClrLst meth="repeat">
+      <a:schemeClr val="accent3"/>
+    </dgm:linClrLst>
+    <dgm:effectClrLst/>
+    <dgm:txLinClrLst/>
+    <dgm:txFillClrLst meth="repeat">
+      <a:schemeClr val="tx1"/>
+    </dgm:txFillClrLst>
+    <dgm:txEffectClrLst/>
+  </dgm:styleLbl>
+  <dgm:styleLbl name="parChTrans1D3">
+    <dgm:fillClrLst meth="repeat">
+      <a:schemeClr val="accent2">
+        <a:tint val="70000"/>
+      </a:schemeClr>
+    </dgm:fillClrLst>
+    <dgm:linClrLst meth="repeat">
+      <a:schemeClr val="accent4"/>
+    </dgm:linClrLst>
+    <dgm:effectClrLst/>
+    <dgm:txLinClrLst/>
+    <dgm:txFillClrLst meth="repeat">
+      <a:schemeClr val="tx1"/>
+    </dgm:txFillClrLst>
+    <dgm:txEffectClrLst/>
+  </dgm:styleLbl>
+  <dgm:styleLbl name="parChTrans1D4">
+    <dgm:fillClrLst meth="repeat">
+      <a:schemeClr val="accent2">
+        <a:tint val="50000"/>
+      </a:schemeClr>
+    </dgm:fillClrLst>
+    <dgm:linClrLst meth="repeat">
+      <a:schemeClr val="accent5"/>
+    </dgm:linClrLst>
+    <dgm:effectClrLst/>
+    <dgm:txLinClrLst/>
+    <dgm:txFillClrLst meth="repeat">
+      <a:schemeClr val="tx1"/>
+    </dgm:txFillClrLst>
+    <dgm:txEffectClrLst/>
+  </dgm:styleLbl>
+  <dgm:styleLbl name="fgAcc1">
+    <dgm:fillClrLst meth="repeat">
+      <a:schemeClr val="lt1">
+        <a:alpha val="90000"/>
+      </a:schemeClr>
+    </dgm:fillClrLst>
+    <dgm:linClrLst>
+      <a:schemeClr val="accent2"/>
+      <a:schemeClr val="accent3"/>
+    </dgm:linClrLst>
+    <dgm:effectClrLst/>
+    <dgm:txLinClrLst/>
+    <dgm:txFillClrLst meth="repeat">
+      <a:schemeClr val="dk1"/>
+    </dgm:txFillClrLst>
+    <dgm:txEffectClrLst/>
+  </dgm:styleLbl>
+  <dgm:styleLbl name="conFgAcc1">
+    <dgm:fillClrLst meth="repeat">
+      <a:schemeClr val="lt1">
+        <a:alpha val="90000"/>
+      </a:schemeClr>
+    </dgm:fillClrLst>
+    <dgm:linClrLst>
+      <a:schemeClr val="accent2"/>
+      <a:schemeClr val="accent3"/>
+    </dgm:linClrLst>
+    <dgm:effectClrLst/>
+    <dgm:txLinClrLst/>
+    <dgm:txFillClrLst meth="repeat">
+      <a:schemeClr val="dk1"/>
+    </dgm:txFillClrLst>
+    <dgm:txEffectClrLst/>
+  </dgm:styleLbl>
+  <dgm:styleLbl name="alignAcc1">
+    <dgm:fillClrLst meth="repeat">
+      <a:schemeClr val="lt1">
+        <a:alpha val="90000"/>
+      </a:schemeClr>
+    </dgm:fillClrLst>
+    <dgm:linClrLst>
+      <a:schemeClr val="accent2"/>
+      <a:schemeClr val="accent3"/>
+    </dgm:linClrLst>
+    <dgm:effectClrLst/>
+    <dgm:txLinClrLst/>
+    <dgm:txFillClrLst meth="repeat">
+      <a:schemeClr val="dk1"/>
+    </dgm:txFillClrLst>
+    <dgm:txEffectClrLst/>
+  </dgm:styleLbl>
+  <dgm:styleLbl name="trAlignAcc1">
+    <dgm:fillClrLst meth="repeat">
+      <a:schemeClr val="lt1">
+        <a:alpha val="40000"/>
+      </a:schemeClr>
+    </dgm:fillClrLst>
+    <dgm:linClrLst meth="repeat">
+      <a:schemeClr val="accent2"/>
+    </dgm:linClrLst>
+    <dgm:effectClrLst/>
+    <dgm:txLinClrLst/>
+    <dgm:txFillClrLst meth="repeat">
+      <a:schemeClr val="dk1"/>
+    </dgm:txFillClrLst>
+    <dgm:txEffectClrLst/>
+  </dgm:styleLbl>
+  <dgm:styleLbl name="bgAcc1">
+    <dgm:fillClrLst meth="repeat">
+      <a:schemeClr val="lt1">
+        <a:alpha val="90000"/>
+      </a:schemeClr>
+    </dgm:fillClrLst>
+    <dgm:linClrLst>
+      <a:schemeClr val="accent2"/>
+      <a:schemeClr val="accent3"/>
+    </dgm:linClrLst>
+    <dgm:effectClrLst/>
+    <dgm:txLinClrLst/>
+    <dgm:txFillClrLst meth="repeat">
+      <a:schemeClr val="dk1"/>
+    </dgm:txFillClrLst>
+    <dgm:txEffectClrLst/>
+  </dgm:styleLbl>
+  <dgm:styleLbl name="solidFgAcc1">
+    <dgm:fillClrLst meth="repeat">
+      <a:schemeClr val="lt1"/>
+    </dgm:fillClrLst>
+    <dgm:linClrLst>
+      <a:schemeClr val="accent2"/>
+      <a:schemeClr val="accent3"/>
+    </dgm:linClrLst>
+    <dgm:effectClrLst/>
+    <dgm:txLinClrLst/>
+    <dgm:txFillClrLst meth="repeat">
+      <a:schemeClr val="dk1"/>
+    </dgm:txFillClrLst>
+    <dgm:txEffectClrLst/>
+  </dgm:styleLbl>
+  <dgm:styleLbl name="solidAlignAcc1">
+    <dgm:fillClrLst meth="repeat">
+      <a:schemeClr val="lt1"/>
+    </dgm:fillClrLst>
+    <dgm:linClrLst>
+      <a:schemeClr val="accent2"/>
+      <a:schemeClr val="accent3"/>
+    </dgm:linClrLst>
+    <dgm:effectClrLst/>
+    <dgm:txLinClrLst/>
+    <dgm:txFillClrLst meth="repeat">
+      <a:schemeClr val="dk1"/>
+    </dgm:txFillClrLst>
+    <dgm:txEffectClrLst/>
+  </dgm:styleLbl>
+  <dgm:styleLbl name="solidBgAcc1">
+    <dgm:fillClrLst meth="repeat">
+      <a:schemeClr val="lt1"/>
+    </dgm:fillClrLst>
+    <dgm:linClrLst>
+      <a:schemeClr val="accent2"/>
+      <a:schemeClr val="accent3"/>
+    </dgm:linClrLst>
+    <dgm:effectClrLst/>
+    <dgm:txLinClrLst/>
+    <dgm:txFillClrLst meth="repeat">
+      <a:schemeClr val="dk1"/>
+    </dgm:txFillClrLst>
+    <dgm:txEffectClrLst/>
+  </dgm:styleLbl>
+  <dgm:styleLbl name="fgAccFollowNode1">
+    <dgm:fillClrLst>
+      <a:schemeClr val="accent2">
+        <a:tint val="40000"/>
+        <a:alpha val="90000"/>
+      </a:schemeClr>
+      <a:schemeClr val="accent3">
+        <a:tint val="40000"/>
+        <a:alpha val="90000"/>
+      </a:schemeClr>
+    </dgm:fillClrLst>
+    <dgm:linClrLst>
+      <a:schemeClr val="accent2">
+        <a:tint val="40000"/>
+        <a:alpha val="90000"/>
+      </a:schemeClr>
+      <a:schemeClr val="accent3">
+        <a:tint val="40000"/>
+        <a:alpha val="90000"/>
+      </a:schemeClr>
+    </dgm:linClrLst>
+    <dgm:effectClrLst/>
+    <dgm:txLinClrLst/>
+    <dgm:txFillClrLst meth="repeat">
+      <a:schemeClr val="dk1"/>
+    </dgm:txFillClrLst>
+    <dgm:txEffectClrLst/>
+  </dgm:styleLbl>
+  <dgm:styleLbl name="alignAccFollowNode1">
+    <dgm:fillClrLst>
+      <a:schemeClr val="accent2">
+        <a:tint val="40000"/>
+        <a:alpha val="90000"/>
+      </a:schemeClr>
+      <a:schemeClr val="accent3">
+        <a:tint val="40000"/>
+        <a:alpha val="90000"/>
+      </a:schemeClr>
+    </dgm:fillClrLst>
+    <dgm:linClrLst>
+      <a:schemeClr val="accent2">
+        <a:tint val="40000"/>
+        <a:alpha val="90000"/>
+      </a:schemeClr>
+      <a:schemeClr val="accent3">
+        <a:tint val="40000"/>
+        <a:alpha val="90000"/>
+      </a:schemeClr>
+    </dgm:linClrLst>
+    <dgm:effectClrLst/>
+    <dgm:txLinClrLst/>
+    <dgm:txFillClrLst meth="repeat">
+      <a:schemeClr val="dk1"/>
+    </dgm:txFillClrLst>
+    <dgm:txEffectClrLst/>
+  </dgm:styleLbl>
+  <dgm:styleLbl name="bgAccFollowNode1">
+    <dgm:fillClrLst>
+      <a:schemeClr val="accent2">
+        <a:tint val="40000"/>
+        <a:alpha val="90000"/>
+      </a:schemeClr>
+      <a:schemeClr val="accent3">
+        <a:tint val="40000"/>
+        <a:alpha val="90000"/>
+      </a:schemeClr>
+    </dgm:fillClrLst>
+    <dgm:linClrLst>
+      <a:schemeClr val="accent2">
+        <a:tint val="40000"/>
+        <a:alpha val="90000"/>
+      </a:schemeClr>
+      <a:schemeClr val="accent3">
+        <a:tint val="40000"/>
+        <a:alpha val="90000"/>
+      </a:schemeClr>
+    </dgm:linClrLst>
+    <dgm:effectClrLst/>
+    <dgm:txLinClrLst/>
+    <dgm:txFillClrLst meth="repeat">
+      <a:schemeClr val="dk1"/>
+    </dgm:txFillClrLst>
+    <dgm:txEffectClrLst/>
+  </dgm:styleLbl>
+  <dgm:styleLbl name="fgAcc0">
+    <dgm:fillClrLst meth="repeat">
+      <a:schemeClr val="lt1">
+        <a:alpha val="90000"/>
+      </a:schemeClr>
+    </dgm:fillClrLst>
+    <dgm:linClrLst>
+      <a:schemeClr val="accent1"/>
+    </dgm:linClrLst>
+    <dgm:effectClrLst/>
+    <dgm:txLinClrLst/>
+    <dgm:txFillClrLst meth="repeat">
+      <a:schemeClr val="dk1"/>
+    </dgm:txFillClrLst>
+    <dgm:txEffectClrLst/>
+  </dgm:styleLbl>
+  <dgm:styleLbl name="fgAcc2">
+    <dgm:fillClrLst meth="repeat">
+      <a:schemeClr val="lt1">
+        <a:alpha val="90000"/>
+      </a:schemeClr>
+    </dgm:fillClrLst>
+    <dgm:linClrLst>
+      <a:schemeClr val="accent3"/>
+    </dgm:linClrLst>
+    <dgm:effectClrLst/>
+    <dgm:txLinClrLst/>
+    <dgm:txFillClrLst meth="repeat">
+      <a:schemeClr val="dk1"/>
+    </dgm:txFillClrLst>
+    <dgm:txEffectClrLst/>
+  </dgm:styleLbl>
+  <dgm:styleLbl name="fgAcc3">
+    <dgm:fillClrLst meth="repeat">
+      <a:schemeClr val="lt1">
+        <a:alpha val="90000"/>
+      </a:schemeClr>
+    </dgm:fillClrLst>
+    <dgm:linClrLst>
+      <a:schemeClr val="accent4"/>
+    </dgm:linClrLst>
+    <dgm:effectClrLst/>
+    <dgm:txLinClrLst/>
+    <dgm:txFillClrLst meth="repeat">
+      <a:schemeClr val="dk1"/>
+    </dgm:txFillClrLst>
+    <dgm:txEffectClrLst/>
+  </dgm:styleLbl>
+  <dgm:styleLbl name="fgAcc4">
+    <dgm:fillClrLst meth="repeat">
+      <a:schemeClr val="lt1">
+        <a:alpha val="90000"/>
+      </a:schemeClr>
+    </dgm:fillClrLst>
+    <dgm:linClrLst>
+      <a:schemeClr val="accent5"/>
+    </dgm:linClrLst>
+    <dgm:effectClrLst/>
+    <dgm:txLinClrLst/>
+    <dgm:txFillClrLst meth="repeat">
+      <a:schemeClr val="dk1"/>
+    </dgm:txFillClrLst>
+    <dgm:txEffectClrLst/>
+  </dgm:styleLbl>
+  <dgm:styleLbl name="bgShp">
+    <dgm:fillClrLst meth="repeat">
+      <a:schemeClr val="accent2">
+        <a:tint val="40000"/>
+      </a:schemeClr>
+    </dgm:fillClrLst>
+    <dgm:linClrLst meth="repeat">
+      <a:schemeClr val="dk1"/>
+    </dgm:linClrLst>
+    <dgm:effectClrLst/>
+    <dgm:txLinClrLst/>
+    <dgm:txFillClrLst meth="repeat">
+      <a:schemeClr val="dk1"/>
+    </dgm:txFillClrLst>
+    <dgm:txEffectClrLst/>
+  </dgm:styleLbl>
+  <dgm:styleLbl name="dkBgShp">
+    <dgm:fillClrLst meth="repeat">
+      <a:schemeClr val="accent2">
+        <a:shade val="90000"/>
+      </a:schemeClr>
+    </dgm:fillClrLst>
+    <dgm:linClrLst meth="repeat">
+      <a:schemeClr val="dk1"/>
+    </dgm:linClrLst>
+    <dgm:effectClrLst/>
+    <dgm:txLinClrLst/>
+    <dgm:txFillClrLst meth="repeat">
+      <a:schemeClr val="lt1"/>
+    </dgm:txFillClrLst>
+    <dgm:txEffectClrLst/>
+  </dgm:styleLbl>
+  <dgm:styleLbl name="trBgShp">
+    <dgm:fillClrLst meth="repeat">
+      <a:schemeClr val="accent2">
+        <a:tint val="50000"/>
+        <a:alpha val="40000"/>
+      </a:schemeClr>
+    </dgm:fillClrLst>
+    <dgm:linClrLst meth="repeat">
+      <a:schemeClr val="accent2"/>
+    </dgm:linClrLst>
+    <dgm:effectClrLst/>
+    <dgm:txLinClrLst/>
+    <dgm:txFillClrLst meth="repeat">
+      <a:schemeClr val="lt1"/>
+    </dgm:txFillClrLst>
+    <dgm:txEffectClrLst/>
+  </dgm:styleLbl>
+  <dgm:styleLbl name="fgShp">
+    <dgm:fillClrLst meth="repeat">
+      <a:schemeClr val="accent2">
+        <a:tint val="40000"/>
+      </a:schemeClr>
+    </dgm:fillClrLst>
+    <dgm:linClrLst meth="repeat">
+      <a:schemeClr val="lt1"/>
+    </dgm:linClrLst>
+    <dgm:effectClrLst/>
+    <dgm:txLinClrLst/>
+    <dgm:txFillClrLst meth="repeat">
+      <a:schemeClr val="dk1"/>
+    </dgm:txFillClrLst>
+    <dgm:txEffectClrLst/>
+  </dgm:styleLbl>
+  <dgm:styleLbl name="revTx">
+    <dgm:fillClrLst meth="repeat">
+      <a:schemeClr val="lt1">
+        <a:alpha val="0"/>
+      </a:schemeClr>
+    </dgm:fillClrLst>
+    <dgm:linClrLst meth="repeat">
+      <a:schemeClr val="dk1">
+        <a:alpha val="0"/>
+      </a:schemeClr>
+    </dgm:linClrLst>
+    <dgm:effectClrLst/>
+    <dgm:txLinClrLst/>
+    <dgm:txFillClrLst meth="repeat">
+      <a:schemeClr val="tx1"/>
     </dgm:txFillClrLst>
     <dgm:txEffectClrLst/>
   </dgm:styleLbl>
@@ -1255,6 +2045,144 @@
     <dgm:cxn modelId="{F8D4B9FF-DD62-4F59-84BA-0DCCDB5EE3DF}" type="presParOf" srcId="{449C07D2-40E4-44A8-9E71-67FF4781678D}" destId="{CE9EBBF0-3EAE-405F-8956-C3A88B92AA1A}" srcOrd="1" destOrd="0" presId="urn:microsoft.com/office/officeart/2018/2/layout/IconVerticalSolidList"/>
     <dgm:cxn modelId="{445BA2D3-DBE1-414F-ACBF-E5761C96F265}" type="presParOf" srcId="{449C07D2-40E4-44A8-9E71-67FF4781678D}" destId="{FC812D3F-3ACE-4E2C-B693-0B96C627ECA4}" srcOrd="2" destOrd="0" presId="urn:microsoft.com/office/officeart/2018/2/layout/IconVerticalSolidList"/>
     <dgm:cxn modelId="{D6D1940D-9113-4551-8D2D-6F72E98EC4B1}" type="presParOf" srcId="{449C07D2-40E4-44A8-9E71-67FF4781678D}" destId="{BDA7B48C-8E05-4588-B6D9-6AD469199121}" srcOrd="3" destOrd="0" presId="urn:microsoft.com/office/officeart/2018/2/layout/IconVerticalSolidList"/>
+  </dgm:cxnLst>
+  <dgm:bg/>
+  <dgm:whole/>
+  <dgm:extLst>
+    <a:ext uri="http://schemas.microsoft.com/office/drawing/2008/diagram">
+      <dsp:dataModelExt xmlns:dsp="http://schemas.microsoft.com/office/drawing/2008/diagram" relId="rId6" minVer="http://schemas.openxmlformats.org/drawingml/2006/diagram"/>
+    </a:ext>
+  </dgm:extLst>
+</dgm:dataModel>
+</file>
+
+<file path=ppt/diagrams/data2.xml><?xml version="1.0" encoding="utf-8"?>
+<dgm:dataModel xmlns:dgm="http://schemas.openxmlformats.org/drawingml/2006/diagram" xmlns:a="http://schemas.openxmlformats.org/drawingml/2006/main">
+  <dgm:ptLst>
+    <dgm:pt modelId="{548C3CA1-DB18-4AA2-B72A-7BE31AA77F68}" type="doc">
+      <dgm:prSet loTypeId="urn:microsoft.com/office/officeart/2005/8/layout/vList2" loCatId="list" qsTypeId="urn:microsoft.com/office/officeart/2005/8/quickstyle/simple4" qsCatId="simple" csTypeId="urn:microsoft.com/office/officeart/2005/8/colors/colorful2" csCatId="colorful"/>
+      <dgm:spPr/>
+      <dgm:t>
+        <a:bodyPr/>
+        <a:lstStyle/>
+        <a:p>
+          <a:endParaRPr lang="en-US"/>
+        </a:p>
+      </dgm:t>
+    </dgm:pt>
+    <dgm:pt modelId="{0E53DB36-139B-420E-952F-D2CAEFDB4BCC}">
+      <dgm:prSet/>
+      <dgm:spPr/>
+      <dgm:t>
+        <a:bodyPr/>
+        <a:lstStyle/>
+        <a:p>
+          <a:r>
+            <a:rPr lang="en-US"/>
+            <a:t>Put all the initial points in the center.</a:t>
+          </a:r>
+        </a:p>
+      </dgm:t>
+    </dgm:pt>
+    <dgm:pt modelId="{1D051E5D-4089-4D2D-A168-B31096D17CBB}" type="parTrans" cxnId="{0D259558-EDB5-4B47-A412-460F825AC23A}">
+      <dgm:prSet/>
+      <dgm:spPr/>
+      <dgm:t>
+        <a:bodyPr/>
+        <a:lstStyle/>
+        <a:p>
+          <a:endParaRPr lang="en-US"/>
+        </a:p>
+      </dgm:t>
+    </dgm:pt>
+    <dgm:pt modelId="{A6ED4517-93E9-48EE-A651-B984AFE7B90E}" type="sibTrans" cxnId="{0D259558-EDB5-4B47-A412-460F825AC23A}">
+      <dgm:prSet/>
+      <dgm:spPr/>
+      <dgm:t>
+        <a:bodyPr/>
+        <a:lstStyle/>
+        <a:p>
+          <a:endParaRPr lang="en-US"/>
+        </a:p>
+      </dgm:t>
+    </dgm:pt>
+    <dgm:pt modelId="{91841282-78B5-40F2-A705-F9184003B0FB}">
+      <dgm:prSet/>
+      <dgm:spPr/>
+      <dgm:t>
+        <a:bodyPr/>
+        <a:lstStyle/>
+        <a:p>
+          <a:r>
+            <a:rPr lang="en-US"/>
+            <a:t>Distribute the initial points evenly.</a:t>
+          </a:r>
+        </a:p>
+      </dgm:t>
+    </dgm:pt>
+    <dgm:pt modelId="{19B77F0F-1E71-4D85-8A25-22FD56D608FD}" type="parTrans" cxnId="{2FC4C4D7-6B6A-4005-9C55-A97A0D993BD7}">
+      <dgm:prSet/>
+      <dgm:spPr/>
+      <dgm:t>
+        <a:bodyPr/>
+        <a:lstStyle/>
+        <a:p>
+          <a:endParaRPr lang="en-US"/>
+        </a:p>
+      </dgm:t>
+    </dgm:pt>
+    <dgm:pt modelId="{6751D5FE-E331-40FB-9BAA-906529BD5611}" type="sibTrans" cxnId="{2FC4C4D7-6B6A-4005-9C55-A97A0D993BD7}">
+      <dgm:prSet/>
+      <dgm:spPr/>
+      <dgm:t>
+        <a:bodyPr/>
+        <a:lstStyle/>
+        <a:p>
+          <a:endParaRPr lang="en-US"/>
+        </a:p>
+      </dgm:t>
+    </dgm:pt>
+    <dgm:pt modelId="{B3FF9F4B-2BD3-4B48-81F4-F3A34CCA0693}" type="pres">
+      <dgm:prSet presAssocID="{548C3CA1-DB18-4AA2-B72A-7BE31AA77F68}" presName="linear" presStyleCnt="0">
+        <dgm:presLayoutVars>
+          <dgm:animLvl val="lvl"/>
+          <dgm:resizeHandles val="exact"/>
+        </dgm:presLayoutVars>
+      </dgm:prSet>
+      <dgm:spPr/>
+    </dgm:pt>
+    <dgm:pt modelId="{48636C5C-B7E3-41D5-BA53-A0CF8F878E00}" type="pres">
+      <dgm:prSet presAssocID="{0E53DB36-139B-420E-952F-D2CAEFDB4BCC}" presName="parentText" presStyleLbl="node1" presStyleIdx="0" presStyleCnt="2">
+        <dgm:presLayoutVars>
+          <dgm:chMax val="0"/>
+          <dgm:bulletEnabled val="1"/>
+        </dgm:presLayoutVars>
+      </dgm:prSet>
+      <dgm:spPr/>
+    </dgm:pt>
+    <dgm:pt modelId="{C5937815-9262-4406-B644-944626035F45}" type="pres">
+      <dgm:prSet presAssocID="{A6ED4517-93E9-48EE-A651-B984AFE7B90E}" presName="spacer" presStyleCnt="0"/>
+      <dgm:spPr/>
+    </dgm:pt>
+    <dgm:pt modelId="{754620E8-7AF8-4B74-BFCE-4A45D3BFF93A}" type="pres">
+      <dgm:prSet presAssocID="{91841282-78B5-40F2-A705-F9184003B0FB}" presName="parentText" presStyleLbl="node1" presStyleIdx="1" presStyleCnt="2">
+        <dgm:presLayoutVars>
+          <dgm:chMax val="0"/>
+          <dgm:bulletEnabled val="1"/>
+        </dgm:presLayoutVars>
+      </dgm:prSet>
+      <dgm:spPr/>
+    </dgm:pt>
+  </dgm:ptLst>
+  <dgm:cxnLst>
+    <dgm:cxn modelId="{39FF0F37-F702-49E6-A342-E8EFBFFA865A}" type="presOf" srcId="{548C3CA1-DB18-4AA2-B72A-7BE31AA77F68}" destId="{B3FF9F4B-2BD3-4B48-81F4-F3A34CCA0693}" srcOrd="0" destOrd="0" presId="urn:microsoft.com/office/officeart/2005/8/layout/vList2"/>
+    <dgm:cxn modelId="{0D259558-EDB5-4B47-A412-460F825AC23A}" srcId="{548C3CA1-DB18-4AA2-B72A-7BE31AA77F68}" destId="{0E53DB36-139B-420E-952F-D2CAEFDB4BCC}" srcOrd="0" destOrd="0" parTransId="{1D051E5D-4089-4D2D-A168-B31096D17CBB}" sibTransId="{A6ED4517-93E9-48EE-A651-B984AFE7B90E}"/>
+    <dgm:cxn modelId="{F8ED8079-9B3F-4D87-8EBC-E8BB9C151599}" type="presOf" srcId="{0E53DB36-139B-420E-952F-D2CAEFDB4BCC}" destId="{48636C5C-B7E3-41D5-BA53-A0CF8F878E00}" srcOrd="0" destOrd="0" presId="urn:microsoft.com/office/officeart/2005/8/layout/vList2"/>
+    <dgm:cxn modelId="{F646ADB5-B59F-430A-AC69-BE6743BCFDD6}" type="presOf" srcId="{91841282-78B5-40F2-A705-F9184003B0FB}" destId="{754620E8-7AF8-4B74-BFCE-4A45D3BFF93A}" srcOrd="0" destOrd="0" presId="urn:microsoft.com/office/officeart/2005/8/layout/vList2"/>
+    <dgm:cxn modelId="{2FC4C4D7-6B6A-4005-9C55-A97A0D993BD7}" srcId="{548C3CA1-DB18-4AA2-B72A-7BE31AA77F68}" destId="{91841282-78B5-40F2-A705-F9184003B0FB}" srcOrd="1" destOrd="0" parTransId="{19B77F0F-1E71-4D85-8A25-22FD56D608FD}" sibTransId="{6751D5FE-E331-40FB-9BAA-906529BD5611}"/>
+    <dgm:cxn modelId="{CA80FD1F-7B9D-47A1-B116-AC1BE5C9B4BA}" type="presParOf" srcId="{B3FF9F4B-2BD3-4B48-81F4-F3A34CCA0693}" destId="{48636C5C-B7E3-41D5-BA53-A0CF8F878E00}" srcOrd="0" destOrd="0" presId="urn:microsoft.com/office/officeart/2005/8/layout/vList2"/>
+    <dgm:cxn modelId="{642B2815-1BC9-4E1B-8C87-5C9C29880D0B}" type="presParOf" srcId="{B3FF9F4B-2BD3-4B48-81F4-F3A34CCA0693}" destId="{C5937815-9262-4406-B644-944626035F45}" srcOrd="1" destOrd="0" presId="urn:microsoft.com/office/officeart/2005/8/layout/vList2"/>
+    <dgm:cxn modelId="{42900660-8800-41FE-A766-7CBADD7D8FAA}" type="presParOf" srcId="{B3FF9F4B-2BD3-4B48-81F4-F3A34CCA0693}" destId="{754620E8-7AF8-4B74-BFCE-4A45D3BFF93A}" srcOrd="2" destOrd="0" presId="urn:microsoft.com/office/officeart/2005/8/layout/vList2"/>
   </dgm:cxnLst>
   <dgm:bg/>
   <dgm:whole/>
@@ -1578,6 +2506,216 @@
 </dsp:drawing>
 </file>
 
+<file path=ppt/diagrams/drawing2.xml><?xml version="1.0" encoding="utf-8"?>
+<dsp:drawing xmlns:dgm="http://schemas.openxmlformats.org/drawingml/2006/diagram" xmlns:dsp="http://schemas.microsoft.com/office/drawing/2008/diagram" xmlns:a="http://schemas.openxmlformats.org/drawingml/2006/main">
+  <dsp:spTree>
+    <dsp:nvGrpSpPr>
+      <dsp:cNvPr id="0" name=""/>
+      <dsp:cNvGrpSpPr/>
+    </dsp:nvGrpSpPr>
+    <dsp:grpSpPr/>
+    <dsp:sp modelId="{48636C5C-B7E3-41D5-BA53-A0CF8F878E00}">
+      <dsp:nvSpPr>
+        <dsp:cNvPr id="0" name=""/>
+        <dsp:cNvSpPr/>
+      </dsp:nvSpPr>
+      <dsp:spPr>
+        <a:xfrm>
+          <a:off x="0" y="541400"/>
+          <a:ext cx="5607050" cy="1853279"/>
+        </a:xfrm>
+        <a:prstGeom prst="roundRect">
+          <a:avLst/>
+        </a:prstGeom>
+        <a:gradFill rotWithShape="0">
+          <a:gsLst>
+            <a:gs pos="0">
+              <a:schemeClr val="accent2">
+                <a:hueOff val="0"/>
+                <a:satOff val="0"/>
+                <a:lumOff val="0"/>
+                <a:alphaOff val="0"/>
+                <a:tint val="97000"/>
+                <a:satMod val="100000"/>
+                <a:lumMod val="102000"/>
+              </a:schemeClr>
+            </a:gs>
+            <a:gs pos="50000">
+              <a:schemeClr val="accent2">
+                <a:hueOff val="0"/>
+                <a:satOff val="0"/>
+                <a:lumOff val="0"/>
+                <a:alphaOff val="0"/>
+                <a:shade val="100000"/>
+                <a:satMod val="103000"/>
+                <a:lumMod val="100000"/>
+              </a:schemeClr>
+            </a:gs>
+            <a:gs pos="100000">
+              <a:schemeClr val="accent2">
+                <a:hueOff val="0"/>
+                <a:satOff val="0"/>
+                <a:lumOff val="0"/>
+                <a:alphaOff val="0"/>
+                <a:shade val="93000"/>
+                <a:satMod val="110000"/>
+                <a:lumMod val="99000"/>
+              </a:schemeClr>
+            </a:gs>
+          </a:gsLst>
+          <a:lin ang="5400000" scaled="0"/>
+        </a:gradFill>
+        <a:ln>
+          <a:noFill/>
+        </a:ln>
+        <a:effectLst/>
+      </dsp:spPr>
+      <dsp:style>
+        <a:lnRef idx="0">
+          <a:scrgbClr r="0" g="0" b="0"/>
+        </a:lnRef>
+        <a:fillRef idx="3">
+          <a:scrgbClr r="0" g="0" b="0"/>
+        </a:fillRef>
+        <a:effectRef idx="2">
+          <a:scrgbClr r="0" g="0" b="0"/>
+        </a:effectRef>
+        <a:fontRef idx="minor">
+          <a:schemeClr val="lt1"/>
+        </a:fontRef>
+      </dsp:style>
+      <dsp:txBody>
+        <a:bodyPr spcFirstLastPara="0" vert="horz" wrap="square" lIns="182880" tIns="182880" rIns="182880" bIns="182880" numCol="1" spcCol="1270" anchor="ctr" anchorCtr="0">
+          <a:noAutofit/>
+        </a:bodyPr>
+        <a:lstStyle/>
+        <a:p>
+          <a:pPr marL="0" lvl="0" indent="0" algn="l" defTabSz="2133600">
+            <a:lnSpc>
+              <a:spcPct val="90000"/>
+            </a:lnSpc>
+            <a:spcBef>
+              <a:spcPct val="0"/>
+            </a:spcBef>
+            <a:spcAft>
+              <a:spcPct val="35000"/>
+            </a:spcAft>
+            <a:buNone/>
+          </a:pPr>
+          <a:r>
+            <a:rPr lang="en-US" sz="4800" kern="1200"/>
+            <a:t>Put all the initial points in the center.</a:t>
+          </a:r>
+        </a:p>
+      </dsp:txBody>
+      <dsp:txXfrm>
+        <a:off x="90470" y="631870"/>
+        <a:ext cx="5426110" cy="1672339"/>
+      </dsp:txXfrm>
+    </dsp:sp>
+    <dsp:sp modelId="{754620E8-7AF8-4B74-BFCE-4A45D3BFF93A}">
+      <dsp:nvSpPr>
+        <dsp:cNvPr id="0" name=""/>
+        <dsp:cNvSpPr/>
+      </dsp:nvSpPr>
+      <dsp:spPr>
+        <a:xfrm>
+          <a:off x="0" y="2532920"/>
+          <a:ext cx="5607050" cy="1853279"/>
+        </a:xfrm>
+        <a:prstGeom prst="roundRect">
+          <a:avLst/>
+        </a:prstGeom>
+        <a:gradFill rotWithShape="0">
+          <a:gsLst>
+            <a:gs pos="0">
+              <a:schemeClr val="accent2">
+                <a:hueOff val="-10351888"/>
+                <a:satOff val="45859"/>
+                <a:lumOff val="-16864"/>
+                <a:alphaOff val="0"/>
+                <a:tint val="97000"/>
+                <a:satMod val="100000"/>
+                <a:lumMod val="102000"/>
+              </a:schemeClr>
+            </a:gs>
+            <a:gs pos="50000">
+              <a:schemeClr val="accent2">
+                <a:hueOff val="-10351888"/>
+                <a:satOff val="45859"/>
+                <a:lumOff val="-16864"/>
+                <a:alphaOff val="0"/>
+                <a:shade val="100000"/>
+                <a:satMod val="103000"/>
+                <a:lumMod val="100000"/>
+              </a:schemeClr>
+            </a:gs>
+            <a:gs pos="100000">
+              <a:schemeClr val="accent2">
+                <a:hueOff val="-10351888"/>
+                <a:satOff val="45859"/>
+                <a:lumOff val="-16864"/>
+                <a:alphaOff val="0"/>
+                <a:shade val="93000"/>
+                <a:satMod val="110000"/>
+                <a:lumMod val="99000"/>
+              </a:schemeClr>
+            </a:gs>
+          </a:gsLst>
+          <a:lin ang="5400000" scaled="0"/>
+        </a:gradFill>
+        <a:ln>
+          <a:noFill/>
+        </a:ln>
+        <a:effectLst/>
+      </dsp:spPr>
+      <dsp:style>
+        <a:lnRef idx="0">
+          <a:scrgbClr r="0" g="0" b="0"/>
+        </a:lnRef>
+        <a:fillRef idx="3">
+          <a:scrgbClr r="0" g="0" b="0"/>
+        </a:fillRef>
+        <a:effectRef idx="2">
+          <a:scrgbClr r="0" g="0" b="0"/>
+        </a:effectRef>
+        <a:fontRef idx="minor">
+          <a:schemeClr val="lt1"/>
+        </a:fontRef>
+      </dsp:style>
+      <dsp:txBody>
+        <a:bodyPr spcFirstLastPara="0" vert="horz" wrap="square" lIns="182880" tIns="182880" rIns="182880" bIns="182880" numCol="1" spcCol="1270" anchor="ctr" anchorCtr="0">
+          <a:noAutofit/>
+        </a:bodyPr>
+        <a:lstStyle/>
+        <a:p>
+          <a:pPr marL="0" lvl="0" indent="0" algn="l" defTabSz="2133600">
+            <a:lnSpc>
+              <a:spcPct val="90000"/>
+            </a:lnSpc>
+            <a:spcBef>
+              <a:spcPct val="0"/>
+            </a:spcBef>
+            <a:spcAft>
+              <a:spcPct val="35000"/>
+            </a:spcAft>
+            <a:buNone/>
+          </a:pPr>
+          <a:r>
+            <a:rPr lang="en-US" sz="4800" kern="1200"/>
+            <a:t>Distribute the initial points evenly.</a:t>
+          </a:r>
+        </a:p>
+      </dsp:txBody>
+      <dsp:txXfrm>
+        <a:off x="90470" y="2623390"/>
+        <a:ext cx="5426110" cy="1672339"/>
+      </dsp:txXfrm>
+    </dsp:sp>
+  </dsp:spTree>
+</dsp:drawing>
+</file>
+
 <file path=ppt/diagrams/layout1.xml><?xml version="1.0" encoding="utf-8"?>
 <dgm:layoutDef xmlns:dgm="http://schemas.openxmlformats.org/drawingml/2006/diagram" xmlns:a="http://schemas.openxmlformats.org/drawingml/2006/main" uniqueId="urn:microsoft.com/office/officeart/2018/2/layout/IconVerticalSolidList">
   <dgm:title val="Icon Vertical Solid List"/>
@@ -1872,6 +3010,173 @@
 </dgm:layoutDef>
 </file>
 
+<file path=ppt/diagrams/layout2.xml><?xml version="1.0" encoding="utf-8"?>
+<dgm:layoutDef xmlns:dgm="http://schemas.openxmlformats.org/drawingml/2006/diagram" xmlns:a="http://schemas.openxmlformats.org/drawingml/2006/main" uniqueId="urn:microsoft.com/office/officeart/2005/8/layout/vList2">
+  <dgm:title val=""/>
+  <dgm:desc val=""/>
+  <dgm:catLst>
+    <dgm:cat type="list" pri="3000"/>
+    <dgm:cat type="convert" pri="1000"/>
+  </dgm:catLst>
+  <dgm:sampData>
+    <dgm:dataModel>
+      <dgm:ptLst>
+        <dgm:pt modelId="0" type="doc"/>
+        <dgm:pt modelId="1">
+          <dgm:prSet phldr="1"/>
+        </dgm:pt>
+        <dgm:pt modelId="11">
+          <dgm:prSet phldr="1"/>
+        </dgm:pt>
+        <dgm:pt modelId="2">
+          <dgm:prSet phldr="1"/>
+        </dgm:pt>
+        <dgm:pt modelId="21">
+          <dgm:prSet phldr="1"/>
+        </dgm:pt>
+      </dgm:ptLst>
+      <dgm:cxnLst>
+        <dgm:cxn modelId="4" srcId="0" destId="1" srcOrd="0" destOrd="0"/>
+        <dgm:cxn modelId="5" srcId="0" destId="2" srcOrd="1" destOrd="0"/>
+        <dgm:cxn modelId="12" srcId="1" destId="11" srcOrd="0" destOrd="0"/>
+        <dgm:cxn modelId="23" srcId="2" destId="21" srcOrd="0" destOrd="0"/>
+      </dgm:cxnLst>
+      <dgm:bg/>
+      <dgm:whole/>
+    </dgm:dataModel>
+  </dgm:sampData>
+  <dgm:styleData>
+    <dgm:dataModel>
+      <dgm:ptLst>
+        <dgm:pt modelId="0" type="doc"/>
+        <dgm:pt modelId="1"/>
+        <dgm:pt modelId="2"/>
+      </dgm:ptLst>
+      <dgm:cxnLst>
+        <dgm:cxn modelId="3" srcId="0" destId="1" srcOrd="0" destOrd="0"/>
+        <dgm:cxn modelId="4" srcId="0" destId="2" srcOrd="1" destOrd="0"/>
+      </dgm:cxnLst>
+      <dgm:bg/>
+      <dgm:whole/>
+    </dgm:dataModel>
+  </dgm:styleData>
+  <dgm:clrData>
+    <dgm:dataModel>
+      <dgm:ptLst>
+        <dgm:pt modelId="0" type="doc"/>
+        <dgm:pt modelId="1"/>
+        <dgm:pt modelId="2"/>
+        <dgm:pt modelId="3"/>
+        <dgm:pt modelId="4"/>
+      </dgm:ptLst>
+      <dgm:cxnLst>
+        <dgm:cxn modelId="5" srcId="0" destId="1" srcOrd="0" destOrd="0"/>
+        <dgm:cxn modelId="6" srcId="0" destId="2" srcOrd="1" destOrd="0"/>
+        <dgm:cxn modelId="7" srcId="0" destId="3" srcOrd="2" destOrd="0"/>
+        <dgm:cxn modelId="8" srcId="0" destId="4" srcOrd="3" destOrd="0"/>
+      </dgm:cxnLst>
+      <dgm:bg/>
+      <dgm:whole/>
+    </dgm:dataModel>
+  </dgm:clrData>
+  <dgm:layoutNode name="linear">
+    <dgm:varLst>
+      <dgm:animLvl val="lvl"/>
+      <dgm:resizeHandles val="exact"/>
+    </dgm:varLst>
+    <dgm:alg type="lin">
+      <dgm:param type="linDir" val="fromT"/>
+      <dgm:param type="vertAlign" val="mid"/>
+    </dgm:alg>
+    <dgm:shape xmlns:r="http://schemas.openxmlformats.org/officeDocument/2006/relationships" r:blip="">
+      <dgm:adjLst/>
+    </dgm:shape>
+    <dgm:presOf/>
+    <dgm:constrLst>
+      <dgm:constr type="w" for="ch" forName="parentText" refType="w"/>
+      <dgm:constr type="h" for="ch" forName="parentText" refType="primFontSz" refFor="ch" refForName="parentText" fact="0.52"/>
+      <dgm:constr type="w" for="ch" forName="childText" refType="w"/>
+      <dgm:constr type="h" for="ch" forName="childText" refType="primFontSz" refFor="ch" refForName="parentText" fact="0.46"/>
+      <dgm:constr type="h" for="ch" forName="parentText" op="equ"/>
+      <dgm:constr type="primFontSz" for="ch" forName="parentText" op="equ" val="65"/>
+      <dgm:constr type="primFontSz" for="ch" forName="childText" refType="primFontSz" refFor="ch" refForName="parentText" op="equ"/>
+      <dgm:constr type="h" for="ch" forName="spacer" refType="primFontSz" refFor="ch" refForName="parentText" fact="0.08"/>
+    </dgm:constrLst>
+    <dgm:ruleLst>
+      <dgm:rule type="primFontSz" for="ch" forName="parentText" val="5" fact="NaN" max="NaN"/>
+    </dgm:ruleLst>
+    <dgm:forEach name="Name0" axis="ch" ptType="node">
+      <dgm:layoutNode name="parentText" styleLbl="node1">
+        <dgm:varLst>
+          <dgm:chMax val="0"/>
+          <dgm:bulletEnabled val="1"/>
+        </dgm:varLst>
+        <dgm:alg type="tx">
+          <dgm:param type="parTxLTRAlign" val="l"/>
+          <dgm:param type="parTxRTLAlign" val="r"/>
+        </dgm:alg>
+        <dgm:shape xmlns:r="http://schemas.openxmlformats.org/officeDocument/2006/relationships" type="roundRect" r:blip="">
+          <dgm:adjLst/>
+        </dgm:shape>
+        <dgm:presOf axis="self"/>
+        <dgm:constrLst>
+          <dgm:constr type="tMarg" refType="primFontSz" fact="0.3"/>
+          <dgm:constr type="bMarg" refType="primFontSz" fact="0.3"/>
+          <dgm:constr type="lMarg" refType="primFontSz" fact="0.3"/>
+          <dgm:constr type="rMarg" refType="primFontSz" fact="0.3"/>
+        </dgm:constrLst>
+        <dgm:ruleLst>
+          <dgm:rule type="h" val="INF" fact="NaN" max="NaN"/>
+        </dgm:ruleLst>
+      </dgm:layoutNode>
+      <dgm:choose name="Name1">
+        <dgm:if name="Name2" axis="ch" ptType="node" func="cnt" op="gte" val="1">
+          <dgm:layoutNode name="childText" styleLbl="revTx">
+            <dgm:varLst>
+              <dgm:bulletEnabled val="1"/>
+            </dgm:varLst>
+            <dgm:alg type="tx">
+              <dgm:param type="stBulletLvl" val="1"/>
+              <dgm:param type="lnSpAfChP" val="20"/>
+            </dgm:alg>
+            <dgm:shape xmlns:r="http://schemas.openxmlformats.org/officeDocument/2006/relationships" type="rect" r:blip="">
+              <dgm:adjLst/>
+            </dgm:shape>
+            <dgm:presOf axis="des" ptType="node"/>
+            <dgm:constrLst>
+              <dgm:constr type="tMarg" refType="primFontSz" fact="0.1"/>
+              <dgm:constr type="bMarg" refType="primFontSz" fact="0.1"/>
+              <dgm:constr type="lMarg" refType="w" fact="0.09"/>
+            </dgm:constrLst>
+            <dgm:ruleLst>
+              <dgm:rule type="h" val="INF" fact="NaN" max="NaN"/>
+            </dgm:ruleLst>
+          </dgm:layoutNode>
+        </dgm:if>
+        <dgm:else name="Name3">
+          <dgm:choose name="Name4">
+            <dgm:if name="Name5" axis="par ch" ptType="doc node" func="cnt" op="gte" val="2">
+              <dgm:forEach name="Name6" axis="followSib" ptType="sibTrans" cnt="1">
+                <dgm:layoutNode name="spacer">
+                  <dgm:alg type="sp"/>
+                  <dgm:shape xmlns:r="http://schemas.openxmlformats.org/officeDocument/2006/relationships" r:blip="">
+                    <dgm:adjLst/>
+                  </dgm:shape>
+                  <dgm:presOf/>
+                  <dgm:constrLst/>
+                  <dgm:ruleLst/>
+                </dgm:layoutNode>
+              </dgm:forEach>
+            </dgm:if>
+            <dgm:else name="Name7"/>
+          </dgm:choose>
+        </dgm:else>
+      </dgm:choose>
+    </dgm:forEach>
+  </dgm:layoutNode>
+</dgm:layoutDef>
+</file>
+
 <file path=ppt/diagrams/quickStyle1.xml><?xml version="1.0" encoding="utf-8"?>
 <dgm:styleDef xmlns:dgm="http://schemas.openxmlformats.org/drawingml/2006/diagram" xmlns:a="http://schemas.openxmlformats.org/drawingml/2006/main" uniqueId="urn:microsoft.com/office/officeart/2005/8/quickstyle/simple1">
   <dgm:title val=""/>
@@ -2878,6 +4183,1040 @@
         <a:scrgbClr r="0" g="0" b="0"/>
       </a:fillRef>
       <a:effectRef idx="0">
+        <a:scrgbClr r="0" g="0" b="0"/>
+      </a:effectRef>
+      <a:fontRef idx="minor"/>
+    </dgm:style>
+  </dgm:styleLbl>
+  <dgm:styleLbl name="revTx">
+    <dgm:scene3d>
+      <a:camera prst="orthographicFront"/>
+      <a:lightRig rig="threePt" dir="t"/>
+    </dgm:scene3d>
+    <dgm:sp3d/>
+    <dgm:txPr/>
+    <dgm:style>
+      <a:lnRef idx="0">
+        <a:scrgbClr r="0" g="0" b="0"/>
+      </a:lnRef>
+      <a:fillRef idx="0">
+        <a:scrgbClr r="0" g="0" b="0"/>
+      </a:fillRef>
+      <a:effectRef idx="0">
+        <a:scrgbClr r="0" g="0" b="0"/>
+      </a:effectRef>
+      <a:fontRef idx="minor"/>
+    </dgm:style>
+  </dgm:styleLbl>
+</dgm:styleDef>
+</file>
+
+<file path=ppt/diagrams/quickStyle2.xml><?xml version="1.0" encoding="utf-8"?>
+<dgm:styleDef xmlns:dgm="http://schemas.openxmlformats.org/drawingml/2006/diagram" xmlns:a="http://schemas.openxmlformats.org/drawingml/2006/main" uniqueId="urn:microsoft.com/office/officeart/2005/8/quickstyle/simple4">
+  <dgm:title val=""/>
+  <dgm:desc val=""/>
+  <dgm:catLst>
+    <dgm:cat type="simple" pri="10400"/>
+  </dgm:catLst>
+  <dgm:scene3d>
+    <a:camera prst="orthographicFront"/>
+    <a:lightRig rig="threePt" dir="t"/>
+  </dgm:scene3d>
+  <dgm:styleLbl name="node0">
+    <dgm:scene3d>
+      <a:camera prst="orthographicFront"/>
+      <a:lightRig rig="threePt" dir="t"/>
+    </dgm:scene3d>
+    <dgm:sp3d/>
+    <dgm:txPr/>
+    <dgm:style>
+      <a:lnRef idx="0">
+        <a:scrgbClr r="0" g="0" b="0"/>
+      </a:lnRef>
+      <a:fillRef idx="3">
+        <a:scrgbClr r="0" g="0" b="0"/>
+      </a:fillRef>
+      <a:effectRef idx="2">
+        <a:scrgbClr r="0" g="0" b="0"/>
+      </a:effectRef>
+      <a:fontRef idx="minor">
+        <a:schemeClr val="lt1"/>
+      </a:fontRef>
+    </dgm:style>
+  </dgm:styleLbl>
+  <dgm:styleLbl name="lnNode1">
+    <dgm:scene3d>
+      <a:camera prst="orthographicFront"/>
+      <a:lightRig rig="threePt" dir="t"/>
+    </dgm:scene3d>
+    <dgm:sp3d/>
+    <dgm:txPr/>
+    <dgm:style>
+      <a:lnRef idx="1">
+        <a:scrgbClr r="0" g="0" b="0"/>
+      </a:lnRef>
+      <a:fillRef idx="3">
+        <a:scrgbClr r="0" g="0" b="0"/>
+      </a:fillRef>
+      <a:effectRef idx="2">
+        <a:scrgbClr r="0" g="0" b="0"/>
+      </a:effectRef>
+      <a:fontRef idx="minor">
+        <a:schemeClr val="lt1"/>
+      </a:fontRef>
+    </dgm:style>
+  </dgm:styleLbl>
+  <dgm:styleLbl name="vennNode1">
+    <dgm:scene3d>
+      <a:camera prst="orthographicFront"/>
+      <a:lightRig rig="threePt" dir="t"/>
+    </dgm:scene3d>
+    <dgm:sp3d/>
+    <dgm:txPr/>
+    <dgm:style>
+      <a:lnRef idx="0">
+        <a:scrgbClr r="0" g="0" b="0"/>
+      </a:lnRef>
+      <a:fillRef idx="3">
+        <a:scrgbClr r="0" g="0" b="0"/>
+      </a:fillRef>
+      <a:effectRef idx="0">
+        <a:scrgbClr r="0" g="0" b="0"/>
+      </a:effectRef>
+      <a:fontRef idx="minor">
+        <a:schemeClr val="tx1"/>
+      </a:fontRef>
+    </dgm:style>
+  </dgm:styleLbl>
+  <dgm:styleLbl name="alignNode1">
+    <dgm:scene3d>
+      <a:camera prst="orthographicFront"/>
+      <a:lightRig rig="threePt" dir="t"/>
+    </dgm:scene3d>
+    <dgm:sp3d/>
+    <dgm:txPr/>
+    <dgm:style>
+      <a:lnRef idx="1">
+        <a:scrgbClr r="0" g="0" b="0"/>
+      </a:lnRef>
+      <a:fillRef idx="3">
+        <a:scrgbClr r="0" g="0" b="0"/>
+      </a:fillRef>
+      <a:effectRef idx="2">
+        <a:scrgbClr r="0" g="0" b="0"/>
+      </a:effectRef>
+      <a:fontRef idx="minor">
+        <a:schemeClr val="lt1"/>
+      </a:fontRef>
+    </dgm:style>
+  </dgm:styleLbl>
+  <dgm:styleLbl name="node1">
+    <dgm:scene3d>
+      <a:camera prst="orthographicFront"/>
+      <a:lightRig rig="threePt" dir="t"/>
+    </dgm:scene3d>
+    <dgm:sp3d/>
+    <dgm:txPr/>
+    <dgm:style>
+      <a:lnRef idx="0">
+        <a:scrgbClr r="0" g="0" b="0"/>
+      </a:lnRef>
+      <a:fillRef idx="3">
+        <a:scrgbClr r="0" g="0" b="0"/>
+      </a:fillRef>
+      <a:effectRef idx="2">
+        <a:scrgbClr r="0" g="0" b="0"/>
+      </a:effectRef>
+      <a:fontRef idx="minor">
+        <a:schemeClr val="lt1"/>
+      </a:fontRef>
+    </dgm:style>
+  </dgm:styleLbl>
+  <dgm:styleLbl name="node2">
+    <dgm:scene3d>
+      <a:camera prst="orthographicFront"/>
+      <a:lightRig rig="threePt" dir="t"/>
+    </dgm:scene3d>
+    <dgm:sp3d/>
+    <dgm:txPr/>
+    <dgm:style>
+      <a:lnRef idx="0">
+        <a:scrgbClr r="0" g="0" b="0"/>
+      </a:lnRef>
+      <a:fillRef idx="3">
+        <a:scrgbClr r="0" g="0" b="0"/>
+      </a:fillRef>
+      <a:effectRef idx="2">
+        <a:scrgbClr r="0" g="0" b="0"/>
+      </a:effectRef>
+      <a:fontRef idx="minor">
+        <a:schemeClr val="lt1"/>
+      </a:fontRef>
+    </dgm:style>
+  </dgm:styleLbl>
+  <dgm:styleLbl name="node3">
+    <dgm:scene3d>
+      <a:camera prst="orthographicFront"/>
+      <a:lightRig rig="threePt" dir="t"/>
+    </dgm:scene3d>
+    <dgm:sp3d/>
+    <dgm:txPr/>
+    <dgm:style>
+      <a:lnRef idx="0">
+        <a:scrgbClr r="0" g="0" b="0"/>
+      </a:lnRef>
+      <a:fillRef idx="3">
+        <a:scrgbClr r="0" g="0" b="0"/>
+      </a:fillRef>
+      <a:effectRef idx="2">
+        <a:scrgbClr r="0" g="0" b="0"/>
+      </a:effectRef>
+      <a:fontRef idx="minor">
+        <a:schemeClr val="lt1"/>
+      </a:fontRef>
+    </dgm:style>
+  </dgm:styleLbl>
+  <dgm:styleLbl name="node4">
+    <dgm:scene3d>
+      <a:camera prst="orthographicFront"/>
+      <a:lightRig rig="threePt" dir="t"/>
+    </dgm:scene3d>
+    <dgm:sp3d/>
+    <dgm:txPr/>
+    <dgm:style>
+      <a:lnRef idx="0">
+        <a:scrgbClr r="0" g="0" b="0"/>
+      </a:lnRef>
+      <a:fillRef idx="3">
+        <a:scrgbClr r="0" g="0" b="0"/>
+      </a:fillRef>
+      <a:effectRef idx="2">
+        <a:scrgbClr r="0" g="0" b="0"/>
+      </a:effectRef>
+      <a:fontRef idx="minor">
+        <a:schemeClr val="lt1"/>
+      </a:fontRef>
+    </dgm:style>
+  </dgm:styleLbl>
+  <dgm:styleLbl name="fgImgPlace1">
+    <dgm:scene3d>
+      <a:camera prst="orthographicFront"/>
+      <a:lightRig rig="threePt" dir="t"/>
+    </dgm:scene3d>
+    <dgm:sp3d/>
+    <dgm:txPr/>
+    <dgm:style>
+      <a:lnRef idx="0">
+        <a:scrgbClr r="0" g="0" b="0"/>
+      </a:lnRef>
+      <a:fillRef idx="1">
+        <a:scrgbClr r="0" g="0" b="0"/>
+      </a:fillRef>
+      <a:effectRef idx="2">
+        <a:scrgbClr r="0" g="0" b="0"/>
+      </a:effectRef>
+      <a:fontRef idx="minor"/>
+    </dgm:style>
+  </dgm:styleLbl>
+  <dgm:styleLbl name="alignImgPlace1">
+    <dgm:scene3d>
+      <a:camera prst="orthographicFront"/>
+      <a:lightRig rig="threePt" dir="t"/>
+    </dgm:scene3d>
+    <dgm:sp3d/>
+    <dgm:txPr/>
+    <dgm:style>
+      <a:lnRef idx="0">
+        <a:scrgbClr r="0" g="0" b="0"/>
+      </a:lnRef>
+      <a:fillRef idx="1">
+        <a:scrgbClr r="0" g="0" b="0"/>
+      </a:fillRef>
+      <a:effectRef idx="2">
+        <a:scrgbClr r="0" g="0" b="0"/>
+      </a:effectRef>
+      <a:fontRef idx="minor"/>
+    </dgm:style>
+  </dgm:styleLbl>
+  <dgm:styleLbl name="bgImgPlace1">
+    <dgm:scene3d>
+      <a:camera prst="orthographicFront"/>
+      <a:lightRig rig="threePt" dir="t"/>
+    </dgm:scene3d>
+    <dgm:sp3d/>
+    <dgm:txPr/>
+    <dgm:style>
+      <a:lnRef idx="0">
+        <a:scrgbClr r="0" g="0" b="0"/>
+      </a:lnRef>
+      <a:fillRef idx="1">
+        <a:scrgbClr r="0" g="0" b="0"/>
+      </a:fillRef>
+      <a:effectRef idx="2">
+        <a:scrgbClr r="0" g="0" b="0"/>
+      </a:effectRef>
+      <a:fontRef idx="minor"/>
+    </dgm:style>
+  </dgm:styleLbl>
+  <dgm:styleLbl name="sibTrans2D1">
+    <dgm:scene3d>
+      <a:camera prst="orthographicFront"/>
+      <a:lightRig rig="threePt" dir="t"/>
+    </dgm:scene3d>
+    <dgm:sp3d/>
+    <dgm:txPr/>
+    <dgm:style>
+      <a:lnRef idx="0">
+        <a:scrgbClr r="0" g="0" b="0"/>
+      </a:lnRef>
+      <a:fillRef idx="3">
+        <a:scrgbClr r="0" g="0" b="0"/>
+      </a:fillRef>
+      <a:effectRef idx="2">
+        <a:scrgbClr r="0" g="0" b="0"/>
+      </a:effectRef>
+      <a:fontRef idx="minor">
+        <a:schemeClr val="lt1"/>
+      </a:fontRef>
+    </dgm:style>
+  </dgm:styleLbl>
+  <dgm:styleLbl name="fgSibTrans2D1">
+    <dgm:scene3d>
+      <a:camera prst="orthographicFront"/>
+      <a:lightRig rig="threePt" dir="t"/>
+    </dgm:scene3d>
+    <dgm:sp3d/>
+    <dgm:txPr/>
+    <dgm:style>
+      <a:lnRef idx="0">
+        <a:scrgbClr r="0" g="0" b="0"/>
+      </a:lnRef>
+      <a:fillRef idx="3">
+        <a:scrgbClr r="0" g="0" b="0"/>
+      </a:fillRef>
+      <a:effectRef idx="2">
+        <a:scrgbClr r="0" g="0" b="0"/>
+      </a:effectRef>
+      <a:fontRef idx="minor">
+        <a:schemeClr val="lt1"/>
+      </a:fontRef>
+    </dgm:style>
+  </dgm:styleLbl>
+  <dgm:styleLbl name="bgSibTrans2D1">
+    <dgm:scene3d>
+      <a:camera prst="orthographicFront"/>
+      <a:lightRig rig="threePt" dir="t"/>
+    </dgm:scene3d>
+    <dgm:sp3d/>
+    <dgm:txPr/>
+    <dgm:style>
+      <a:lnRef idx="0">
+        <a:scrgbClr r="0" g="0" b="0"/>
+      </a:lnRef>
+      <a:fillRef idx="3">
+        <a:scrgbClr r="0" g="0" b="0"/>
+      </a:fillRef>
+      <a:effectRef idx="2">
+        <a:scrgbClr r="0" g="0" b="0"/>
+      </a:effectRef>
+      <a:fontRef idx="minor">
+        <a:schemeClr val="lt1"/>
+      </a:fontRef>
+    </dgm:style>
+  </dgm:styleLbl>
+  <dgm:styleLbl name="sibTrans1D1">
+    <dgm:scene3d>
+      <a:camera prst="orthographicFront"/>
+      <a:lightRig rig="threePt" dir="t"/>
+    </dgm:scene3d>
+    <dgm:sp3d/>
+    <dgm:txPr/>
+    <dgm:style>
+      <a:lnRef idx="1">
+        <a:scrgbClr r="0" g="0" b="0"/>
+      </a:lnRef>
+      <a:fillRef idx="0">
+        <a:scrgbClr r="0" g="0" b="0"/>
+      </a:fillRef>
+      <a:effectRef idx="0">
+        <a:scrgbClr r="0" g="0" b="0"/>
+      </a:effectRef>
+      <a:fontRef idx="minor"/>
+    </dgm:style>
+  </dgm:styleLbl>
+  <dgm:styleLbl name="callout">
+    <dgm:scene3d>
+      <a:camera prst="orthographicFront"/>
+      <a:lightRig rig="threePt" dir="t"/>
+    </dgm:scene3d>
+    <dgm:sp3d/>
+    <dgm:txPr/>
+    <dgm:style>
+      <a:lnRef idx="2">
+        <a:scrgbClr r="0" g="0" b="0"/>
+      </a:lnRef>
+      <a:fillRef idx="1">
+        <a:scrgbClr r="0" g="0" b="0"/>
+      </a:fillRef>
+      <a:effectRef idx="1">
+        <a:scrgbClr r="0" g="0" b="0"/>
+      </a:effectRef>
+      <a:fontRef idx="minor"/>
+    </dgm:style>
+  </dgm:styleLbl>
+  <dgm:styleLbl name="asst0">
+    <dgm:scene3d>
+      <a:camera prst="orthographicFront"/>
+      <a:lightRig rig="threePt" dir="t"/>
+    </dgm:scene3d>
+    <dgm:sp3d/>
+    <dgm:txPr/>
+    <dgm:style>
+      <a:lnRef idx="0">
+        <a:scrgbClr r="0" g="0" b="0"/>
+      </a:lnRef>
+      <a:fillRef idx="3">
+        <a:scrgbClr r="0" g="0" b="0"/>
+      </a:fillRef>
+      <a:effectRef idx="2">
+        <a:scrgbClr r="0" g="0" b="0"/>
+      </a:effectRef>
+      <a:fontRef idx="minor">
+        <a:schemeClr val="lt1"/>
+      </a:fontRef>
+    </dgm:style>
+  </dgm:styleLbl>
+  <dgm:styleLbl name="asst1">
+    <dgm:scene3d>
+      <a:camera prst="orthographicFront"/>
+      <a:lightRig rig="threePt" dir="t"/>
+    </dgm:scene3d>
+    <dgm:sp3d/>
+    <dgm:txPr/>
+    <dgm:style>
+      <a:lnRef idx="0">
+        <a:scrgbClr r="0" g="0" b="0"/>
+      </a:lnRef>
+      <a:fillRef idx="3">
+        <a:scrgbClr r="0" g="0" b="0"/>
+      </a:fillRef>
+      <a:effectRef idx="2">
+        <a:scrgbClr r="0" g="0" b="0"/>
+      </a:effectRef>
+      <a:fontRef idx="minor">
+        <a:schemeClr val="lt1"/>
+      </a:fontRef>
+    </dgm:style>
+  </dgm:styleLbl>
+  <dgm:styleLbl name="asst2">
+    <dgm:scene3d>
+      <a:camera prst="orthographicFront"/>
+      <a:lightRig rig="threePt" dir="t"/>
+    </dgm:scene3d>
+    <dgm:sp3d/>
+    <dgm:txPr/>
+    <dgm:style>
+      <a:lnRef idx="0">
+        <a:scrgbClr r="0" g="0" b="0"/>
+      </a:lnRef>
+      <a:fillRef idx="3">
+        <a:scrgbClr r="0" g="0" b="0"/>
+      </a:fillRef>
+      <a:effectRef idx="2">
+        <a:scrgbClr r="0" g="0" b="0"/>
+      </a:effectRef>
+      <a:fontRef idx="minor">
+        <a:schemeClr val="lt1"/>
+      </a:fontRef>
+    </dgm:style>
+  </dgm:styleLbl>
+  <dgm:styleLbl name="asst3">
+    <dgm:scene3d>
+      <a:camera prst="orthographicFront"/>
+      <a:lightRig rig="threePt" dir="t"/>
+    </dgm:scene3d>
+    <dgm:sp3d/>
+    <dgm:txPr/>
+    <dgm:style>
+      <a:lnRef idx="0">
+        <a:scrgbClr r="0" g="0" b="0"/>
+      </a:lnRef>
+      <a:fillRef idx="3">
+        <a:scrgbClr r="0" g="0" b="0"/>
+      </a:fillRef>
+      <a:effectRef idx="2">
+        <a:scrgbClr r="0" g="0" b="0"/>
+      </a:effectRef>
+      <a:fontRef idx="minor">
+        <a:schemeClr val="lt1"/>
+      </a:fontRef>
+    </dgm:style>
+  </dgm:styleLbl>
+  <dgm:styleLbl name="asst4">
+    <dgm:scene3d>
+      <a:camera prst="orthographicFront"/>
+      <a:lightRig rig="threePt" dir="t"/>
+    </dgm:scene3d>
+    <dgm:sp3d/>
+    <dgm:txPr/>
+    <dgm:style>
+      <a:lnRef idx="0">
+        <a:scrgbClr r="0" g="0" b="0"/>
+      </a:lnRef>
+      <a:fillRef idx="3">
+        <a:scrgbClr r="0" g="0" b="0"/>
+      </a:fillRef>
+      <a:effectRef idx="2">
+        <a:scrgbClr r="0" g="0" b="0"/>
+      </a:effectRef>
+      <a:fontRef idx="minor">
+        <a:schemeClr val="lt1"/>
+      </a:fontRef>
+    </dgm:style>
+  </dgm:styleLbl>
+  <dgm:styleLbl name="parChTrans2D1">
+    <dgm:scene3d>
+      <a:camera prst="orthographicFront"/>
+      <a:lightRig rig="threePt" dir="t"/>
+    </dgm:scene3d>
+    <dgm:sp3d/>
+    <dgm:txPr/>
+    <dgm:style>
+      <a:lnRef idx="0">
+        <a:scrgbClr r="0" g="0" b="0"/>
+      </a:lnRef>
+      <a:fillRef idx="3">
+        <a:scrgbClr r="0" g="0" b="0"/>
+      </a:fillRef>
+      <a:effectRef idx="2">
+        <a:scrgbClr r="0" g="0" b="0"/>
+      </a:effectRef>
+      <a:fontRef idx="minor">
+        <a:schemeClr val="lt1"/>
+      </a:fontRef>
+    </dgm:style>
+  </dgm:styleLbl>
+  <dgm:styleLbl name="parChTrans2D2">
+    <dgm:scene3d>
+      <a:camera prst="orthographicFront"/>
+      <a:lightRig rig="threePt" dir="t"/>
+    </dgm:scene3d>
+    <dgm:sp3d/>
+    <dgm:txPr/>
+    <dgm:style>
+      <a:lnRef idx="0">
+        <a:scrgbClr r="0" g="0" b="0"/>
+      </a:lnRef>
+      <a:fillRef idx="3">
+        <a:scrgbClr r="0" g="0" b="0"/>
+      </a:fillRef>
+      <a:effectRef idx="2">
+        <a:scrgbClr r="0" g="0" b="0"/>
+      </a:effectRef>
+      <a:fontRef idx="minor">
+        <a:schemeClr val="lt1"/>
+      </a:fontRef>
+    </dgm:style>
+  </dgm:styleLbl>
+  <dgm:styleLbl name="parChTrans2D3">
+    <dgm:scene3d>
+      <a:camera prst="orthographicFront"/>
+      <a:lightRig rig="threePt" dir="t"/>
+    </dgm:scene3d>
+    <dgm:sp3d/>
+    <dgm:txPr/>
+    <dgm:style>
+      <a:lnRef idx="1">
+        <a:scrgbClr r="0" g="0" b="0"/>
+      </a:lnRef>
+      <a:fillRef idx="3">
+        <a:scrgbClr r="0" g="0" b="0"/>
+      </a:fillRef>
+      <a:effectRef idx="2">
+        <a:scrgbClr r="0" g="0" b="0"/>
+      </a:effectRef>
+      <a:fontRef idx="minor">
+        <a:schemeClr val="lt1"/>
+      </a:fontRef>
+    </dgm:style>
+  </dgm:styleLbl>
+  <dgm:styleLbl name="parChTrans2D4">
+    <dgm:scene3d>
+      <a:camera prst="orthographicFront"/>
+      <a:lightRig rig="threePt" dir="t"/>
+    </dgm:scene3d>
+    <dgm:sp3d/>
+    <dgm:txPr/>
+    <dgm:style>
+      <a:lnRef idx="1">
+        <a:scrgbClr r="0" g="0" b="0"/>
+      </a:lnRef>
+      <a:fillRef idx="3">
+        <a:scrgbClr r="0" g="0" b="0"/>
+      </a:fillRef>
+      <a:effectRef idx="2">
+        <a:scrgbClr r="0" g="0" b="0"/>
+      </a:effectRef>
+      <a:fontRef idx="minor">
+        <a:schemeClr val="lt1"/>
+      </a:fontRef>
+    </dgm:style>
+  </dgm:styleLbl>
+  <dgm:styleLbl name="parChTrans1D1">
+    <dgm:scene3d>
+      <a:camera prst="orthographicFront"/>
+      <a:lightRig rig="threePt" dir="t"/>
+    </dgm:scene3d>
+    <dgm:sp3d/>
+    <dgm:txPr/>
+    <dgm:style>
+      <a:lnRef idx="1">
+        <a:scrgbClr r="0" g="0" b="0"/>
+      </a:lnRef>
+      <a:fillRef idx="0">
+        <a:scrgbClr r="0" g="0" b="0"/>
+      </a:fillRef>
+      <a:effectRef idx="0">
+        <a:scrgbClr r="0" g="0" b="0"/>
+      </a:effectRef>
+      <a:fontRef idx="minor"/>
+    </dgm:style>
+  </dgm:styleLbl>
+  <dgm:styleLbl name="parChTrans1D2">
+    <dgm:scene3d>
+      <a:camera prst="orthographicFront"/>
+      <a:lightRig rig="threePt" dir="t"/>
+    </dgm:scene3d>
+    <dgm:sp3d/>
+    <dgm:txPr/>
+    <dgm:style>
+      <a:lnRef idx="1">
+        <a:scrgbClr r="0" g="0" b="0"/>
+      </a:lnRef>
+      <a:fillRef idx="0">
+        <a:scrgbClr r="0" g="0" b="0"/>
+      </a:fillRef>
+      <a:effectRef idx="0">
+        <a:scrgbClr r="0" g="0" b="0"/>
+      </a:effectRef>
+      <a:fontRef idx="minor"/>
+    </dgm:style>
+  </dgm:styleLbl>
+  <dgm:styleLbl name="parChTrans1D3">
+    <dgm:scene3d>
+      <a:camera prst="orthographicFront"/>
+      <a:lightRig rig="threePt" dir="t"/>
+    </dgm:scene3d>
+    <dgm:sp3d/>
+    <dgm:txPr/>
+    <dgm:style>
+      <a:lnRef idx="1">
+        <a:scrgbClr r="0" g="0" b="0"/>
+      </a:lnRef>
+      <a:fillRef idx="0">
+        <a:scrgbClr r="0" g="0" b="0"/>
+      </a:fillRef>
+      <a:effectRef idx="0">
+        <a:scrgbClr r="0" g="0" b="0"/>
+      </a:effectRef>
+      <a:fontRef idx="minor"/>
+    </dgm:style>
+  </dgm:styleLbl>
+  <dgm:styleLbl name="parChTrans1D4">
+    <dgm:scene3d>
+      <a:camera prst="orthographicFront"/>
+      <a:lightRig rig="threePt" dir="t"/>
+    </dgm:scene3d>
+    <dgm:sp3d/>
+    <dgm:txPr/>
+    <dgm:style>
+      <a:lnRef idx="1">
+        <a:scrgbClr r="0" g="0" b="0"/>
+      </a:lnRef>
+      <a:fillRef idx="0">
+        <a:scrgbClr r="0" g="0" b="0"/>
+      </a:fillRef>
+      <a:effectRef idx="0">
+        <a:scrgbClr r="0" g="0" b="0"/>
+      </a:effectRef>
+      <a:fontRef idx="minor"/>
+    </dgm:style>
+  </dgm:styleLbl>
+  <dgm:styleLbl name="fgAcc1">
+    <dgm:scene3d>
+      <a:camera prst="orthographicFront"/>
+      <a:lightRig rig="threePt" dir="t"/>
+    </dgm:scene3d>
+    <dgm:sp3d/>
+    <dgm:txPr/>
+    <dgm:style>
+      <a:lnRef idx="1">
+        <a:scrgbClr r="0" g="0" b="0"/>
+      </a:lnRef>
+      <a:fillRef idx="1">
+        <a:scrgbClr r="0" g="0" b="0"/>
+      </a:fillRef>
+      <a:effectRef idx="0">
+        <a:scrgbClr r="0" g="0" b="0"/>
+      </a:effectRef>
+      <a:fontRef idx="minor"/>
+    </dgm:style>
+  </dgm:styleLbl>
+  <dgm:styleLbl name="conFgAcc1">
+    <dgm:scene3d>
+      <a:camera prst="orthographicFront"/>
+      <a:lightRig rig="threePt" dir="t"/>
+    </dgm:scene3d>
+    <dgm:sp3d/>
+    <dgm:txPr/>
+    <dgm:style>
+      <a:lnRef idx="1">
+        <a:scrgbClr r="0" g="0" b="0"/>
+      </a:lnRef>
+      <a:fillRef idx="1">
+        <a:scrgbClr r="0" g="0" b="0"/>
+      </a:fillRef>
+      <a:effectRef idx="0">
+        <a:scrgbClr r="0" g="0" b="0"/>
+      </a:effectRef>
+      <a:fontRef idx="minor"/>
+    </dgm:style>
+  </dgm:styleLbl>
+  <dgm:styleLbl name="alignAcc1">
+    <dgm:scene3d>
+      <a:camera prst="orthographicFront"/>
+      <a:lightRig rig="threePt" dir="t"/>
+    </dgm:scene3d>
+    <dgm:sp3d/>
+    <dgm:txPr/>
+    <dgm:style>
+      <a:lnRef idx="1">
+        <a:scrgbClr r="0" g="0" b="0"/>
+      </a:lnRef>
+      <a:fillRef idx="1">
+        <a:scrgbClr r="0" g="0" b="0"/>
+      </a:fillRef>
+      <a:effectRef idx="0">
+        <a:scrgbClr r="0" g="0" b="0"/>
+      </a:effectRef>
+      <a:fontRef idx="minor"/>
+    </dgm:style>
+  </dgm:styleLbl>
+  <dgm:styleLbl name="trAlignAcc1">
+    <dgm:scene3d>
+      <a:camera prst="orthographicFront"/>
+      <a:lightRig rig="threePt" dir="t"/>
+    </dgm:scene3d>
+    <dgm:sp3d/>
+    <dgm:txPr/>
+    <dgm:style>
+      <a:lnRef idx="1">
+        <a:scrgbClr r="0" g="0" b="0"/>
+      </a:lnRef>
+      <a:fillRef idx="1">
+        <a:scrgbClr r="0" g="0" b="0"/>
+      </a:fillRef>
+      <a:effectRef idx="0">
+        <a:scrgbClr r="0" g="0" b="0"/>
+      </a:effectRef>
+      <a:fontRef idx="minor"/>
+    </dgm:style>
+  </dgm:styleLbl>
+  <dgm:styleLbl name="bgAcc1">
+    <dgm:scene3d>
+      <a:camera prst="orthographicFront"/>
+      <a:lightRig rig="threePt" dir="t"/>
+    </dgm:scene3d>
+    <dgm:sp3d/>
+    <dgm:txPr/>
+    <dgm:style>
+      <a:lnRef idx="1">
+        <a:scrgbClr r="0" g="0" b="0"/>
+      </a:lnRef>
+      <a:fillRef idx="1">
+        <a:scrgbClr r="0" g="0" b="0"/>
+      </a:fillRef>
+      <a:effectRef idx="0">
+        <a:scrgbClr r="0" g="0" b="0"/>
+      </a:effectRef>
+      <a:fontRef idx="minor"/>
+    </dgm:style>
+  </dgm:styleLbl>
+  <dgm:styleLbl name="solidFgAcc1">
+    <dgm:scene3d>
+      <a:camera prst="orthographicFront"/>
+      <a:lightRig rig="threePt" dir="t"/>
+    </dgm:scene3d>
+    <dgm:sp3d/>
+    <dgm:txPr/>
+    <dgm:style>
+      <a:lnRef idx="1">
+        <a:scrgbClr r="0" g="0" b="0"/>
+      </a:lnRef>
+      <a:fillRef idx="1">
+        <a:scrgbClr r="0" g="0" b="0"/>
+      </a:fillRef>
+      <a:effectRef idx="0">
+        <a:scrgbClr r="0" g="0" b="0"/>
+      </a:effectRef>
+      <a:fontRef idx="minor"/>
+    </dgm:style>
+  </dgm:styleLbl>
+  <dgm:styleLbl name="solidAlignAcc1">
+    <dgm:scene3d>
+      <a:camera prst="orthographicFront"/>
+      <a:lightRig rig="threePt" dir="t"/>
+    </dgm:scene3d>
+    <dgm:sp3d/>
+    <dgm:txPr/>
+    <dgm:style>
+      <a:lnRef idx="1">
+        <a:scrgbClr r="0" g="0" b="0"/>
+      </a:lnRef>
+      <a:fillRef idx="1">
+        <a:scrgbClr r="0" g="0" b="0"/>
+      </a:fillRef>
+      <a:effectRef idx="0">
+        <a:scrgbClr r="0" g="0" b="0"/>
+      </a:effectRef>
+      <a:fontRef idx="minor"/>
+    </dgm:style>
+  </dgm:styleLbl>
+  <dgm:styleLbl name="solidBgAcc1">
+    <dgm:scene3d>
+      <a:camera prst="orthographicFront"/>
+      <a:lightRig rig="threePt" dir="t"/>
+    </dgm:scene3d>
+    <dgm:sp3d/>
+    <dgm:txPr/>
+    <dgm:style>
+      <a:lnRef idx="1">
+        <a:scrgbClr r="0" g="0" b="0"/>
+      </a:lnRef>
+      <a:fillRef idx="1">
+        <a:scrgbClr r="0" g="0" b="0"/>
+      </a:fillRef>
+      <a:effectRef idx="0">
+        <a:scrgbClr r="0" g="0" b="0"/>
+      </a:effectRef>
+      <a:fontRef idx="minor"/>
+    </dgm:style>
+  </dgm:styleLbl>
+  <dgm:styleLbl name="fgAccFollowNode1">
+    <dgm:scene3d>
+      <a:camera prst="orthographicFront"/>
+      <a:lightRig rig="threePt" dir="t"/>
+    </dgm:scene3d>
+    <dgm:sp3d/>
+    <dgm:txPr/>
+    <dgm:style>
+      <a:lnRef idx="1">
+        <a:scrgbClr r="0" g="0" b="0"/>
+      </a:lnRef>
+      <a:fillRef idx="1">
+        <a:scrgbClr r="0" g="0" b="0"/>
+      </a:fillRef>
+      <a:effectRef idx="0">
+        <a:scrgbClr r="0" g="0" b="0"/>
+      </a:effectRef>
+      <a:fontRef idx="minor"/>
+    </dgm:style>
+  </dgm:styleLbl>
+  <dgm:styleLbl name="alignAccFollowNode1">
+    <dgm:scene3d>
+      <a:camera prst="orthographicFront"/>
+      <a:lightRig rig="threePt" dir="t"/>
+    </dgm:scene3d>
+    <dgm:sp3d/>
+    <dgm:txPr/>
+    <dgm:style>
+      <a:lnRef idx="1">
+        <a:scrgbClr r="0" g="0" b="0"/>
+      </a:lnRef>
+      <a:fillRef idx="1">
+        <a:scrgbClr r="0" g="0" b="0"/>
+      </a:fillRef>
+      <a:effectRef idx="0">
+        <a:scrgbClr r="0" g="0" b="0"/>
+      </a:effectRef>
+      <a:fontRef idx="minor"/>
+    </dgm:style>
+  </dgm:styleLbl>
+  <dgm:styleLbl name="bgAccFollowNode1">
+    <dgm:scene3d>
+      <a:camera prst="orthographicFront"/>
+      <a:lightRig rig="threePt" dir="t"/>
+    </dgm:scene3d>
+    <dgm:sp3d/>
+    <dgm:txPr/>
+    <dgm:style>
+      <a:lnRef idx="1">
+        <a:scrgbClr r="0" g="0" b="0"/>
+      </a:lnRef>
+      <a:fillRef idx="1">
+        <a:scrgbClr r="0" g="0" b="0"/>
+      </a:fillRef>
+      <a:effectRef idx="0">
+        <a:scrgbClr r="0" g="0" b="0"/>
+      </a:effectRef>
+      <a:fontRef idx="minor"/>
+    </dgm:style>
+  </dgm:styleLbl>
+  <dgm:styleLbl name="fgAcc0">
+    <dgm:scene3d>
+      <a:camera prst="orthographicFront"/>
+      <a:lightRig rig="threePt" dir="t"/>
+    </dgm:scene3d>
+    <dgm:sp3d/>
+    <dgm:txPr/>
+    <dgm:style>
+      <a:lnRef idx="1">
+        <a:scrgbClr r="0" g="0" b="0"/>
+      </a:lnRef>
+      <a:fillRef idx="1">
+        <a:scrgbClr r="0" g="0" b="0"/>
+      </a:fillRef>
+      <a:effectRef idx="0">
+        <a:scrgbClr r="0" g="0" b="0"/>
+      </a:effectRef>
+      <a:fontRef idx="minor"/>
+    </dgm:style>
+  </dgm:styleLbl>
+  <dgm:styleLbl name="fgAcc2">
+    <dgm:scene3d>
+      <a:camera prst="orthographicFront"/>
+      <a:lightRig rig="threePt" dir="t"/>
+    </dgm:scene3d>
+    <dgm:sp3d/>
+    <dgm:txPr/>
+    <dgm:style>
+      <a:lnRef idx="1">
+        <a:scrgbClr r="0" g="0" b="0"/>
+      </a:lnRef>
+      <a:fillRef idx="1">
+        <a:scrgbClr r="0" g="0" b="0"/>
+      </a:fillRef>
+      <a:effectRef idx="0">
+        <a:scrgbClr r="0" g="0" b="0"/>
+      </a:effectRef>
+      <a:fontRef idx="minor"/>
+    </dgm:style>
+  </dgm:styleLbl>
+  <dgm:styleLbl name="fgAcc3">
+    <dgm:scene3d>
+      <a:camera prst="orthographicFront"/>
+      <a:lightRig rig="threePt" dir="t"/>
+    </dgm:scene3d>
+    <dgm:sp3d/>
+    <dgm:txPr/>
+    <dgm:style>
+      <a:lnRef idx="1">
+        <a:scrgbClr r="0" g="0" b="0"/>
+      </a:lnRef>
+      <a:fillRef idx="1">
+        <a:scrgbClr r="0" g="0" b="0"/>
+      </a:fillRef>
+      <a:effectRef idx="0">
+        <a:scrgbClr r="0" g="0" b="0"/>
+      </a:effectRef>
+      <a:fontRef idx="minor"/>
+    </dgm:style>
+  </dgm:styleLbl>
+  <dgm:styleLbl name="fgAcc4">
+    <dgm:scene3d>
+      <a:camera prst="orthographicFront"/>
+      <a:lightRig rig="threePt" dir="t"/>
+    </dgm:scene3d>
+    <dgm:sp3d/>
+    <dgm:txPr/>
+    <dgm:style>
+      <a:lnRef idx="1">
+        <a:scrgbClr r="0" g="0" b="0"/>
+      </a:lnRef>
+      <a:fillRef idx="1">
+        <a:scrgbClr r="0" g="0" b="0"/>
+      </a:fillRef>
+      <a:effectRef idx="0">
+        <a:scrgbClr r="0" g="0" b="0"/>
+      </a:effectRef>
+      <a:fontRef idx="minor"/>
+    </dgm:style>
+  </dgm:styleLbl>
+  <dgm:styleLbl name="bgShp">
+    <dgm:scene3d>
+      <a:camera prst="orthographicFront"/>
+      <a:lightRig rig="threePt" dir="t"/>
+    </dgm:scene3d>
+    <dgm:sp3d/>
+    <dgm:txPr/>
+    <dgm:style>
+      <a:lnRef idx="0">
+        <a:scrgbClr r="0" g="0" b="0"/>
+      </a:lnRef>
+      <a:fillRef idx="1">
+        <a:scrgbClr r="0" g="0" b="0"/>
+      </a:fillRef>
+      <a:effectRef idx="2">
+        <a:scrgbClr r="0" g="0" b="0"/>
+      </a:effectRef>
+      <a:fontRef idx="minor"/>
+    </dgm:style>
+  </dgm:styleLbl>
+  <dgm:styleLbl name="dkBgShp">
+    <dgm:scene3d>
+      <a:camera prst="orthographicFront"/>
+      <a:lightRig rig="threePt" dir="t"/>
+    </dgm:scene3d>
+    <dgm:sp3d/>
+    <dgm:txPr/>
+    <dgm:style>
+      <a:lnRef idx="0">
+        <a:scrgbClr r="0" g="0" b="0"/>
+      </a:lnRef>
+      <a:fillRef idx="1">
+        <a:scrgbClr r="0" g="0" b="0"/>
+      </a:fillRef>
+      <a:effectRef idx="2">
+        <a:scrgbClr r="0" g="0" b="0"/>
+      </a:effectRef>
+      <a:fontRef idx="minor"/>
+    </dgm:style>
+  </dgm:styleLbl>
+  <dgm:styleLbl name="trBgShp">
+    <dgm:scene3d>
+      <a:camera prst="orthographicFront"/>
+      <a:lightRig rig="threePt" dir="t"/>
+    </dgm:scene3d>
+    <dgm:sp3d/>
+    <dgm:txPr/>
+    <dgm:style>
+      <a:lnRef idx="0">
+        <a:scrgbClr r="0" g="0" b="0"/>
+      </a:lnRef>
+      <a:fillRef idx="1">
+        <a:scrgbClr r="0" g="0" b="0"/>
+      </a:fillRef>
+      <a:effectRef idx="0">
+        <a:scrgbClr r="0" g="0" b="0"/>
+      </a:effectRef>
+      <a:fontRef idx="minor"/>
+    </dgm:style>
+  </dgm:styleLbl>
+  <dgm:styleLbl name="fgShp">
+    <dgm:scene3d>
+      <a:camera prst="orthographicFront"/>
+      <a:lightRig rig="threePt" dir="t"/>
+    </dgm:scene3d>
+    <dgm:sp3d/>
+    <dgm:txPr/>
+    <dgm:style>
+      <a:lnRef idx="0">
+        <a:scrgbClr r="0" g="0" b="0"/>
+      </a:lnRef>
+      <a:fillRef idx="3">
+        <a:scrgbClr r="0" g="0" b="0"/>
+      </a:fillRef>
+      <a:effectRef idx="2">
         <a:scrgbClr r="0" g="0" b="0"/>
       </a:effectRef>
       <a:fontRef idx="minor"/>
@@ -3069,7 +5408,7 @@
           <a:p>
             <a:fld id="{1160EA64-D806-43AC-9DF2-F8C432F32B4C}" type="datetimeFigureOut">
               <a:rPr lang="en-US" dirty="0"/>
-              <a:t>5/6/2019</a:t>
+              <a:t>5/9/2019</a:t>
             </a:fld>
             <a:endParaRPr lang="en-US" dirty="0"/>
           </a:p>
@@ -3235,7 +5574,7 @@
           <a:p>
             <a:fld id="{E9F9C37B-1D36-470B-8223-D6C91242EC14}" type="datetimeFigureOut">
               <a:rPr lang="en-US" dirty="0"/>
-              <a:t>5/6/2019</a:t>
+              <a:t>5/9/2019</a:t>
             </a:fld>
             <a:endParaRPr lang="en-US" dirty="0"/>
           </a:p>
@@ -3410,7 +5749,7 @@
           <a:p>
             <a:fld id="{67C6F52A-A82B-47A2-A83A-8C4C91F2D59F}" type="datetimeFigureOut">
               <a:rPr lang="en-US" dirty="0"/>
-              <a:t>5/6/2019</a:t>
+              <a:t>5/9/2019</a:t>
             </a:fld>
             <a:endParaRPr lang="en-US" dirty="0"/>
           </a:p>
@@ -3575,7 +5914,7 @@
           <a:p>
             <a:fld id="{F070A7B3-6521-4DCA-87E5-044747A908C1}" type="datetimeFigureOut">
               <a:rPr lang="en-US" dirty="0"/>
-              <a:t>5/6/2019</a:t>
+              <a:t>5/9/2019</a:t>
             </a:fld>
             <a:endParaRPr lang="en-US" dirty="0"/>
           </a:p>
@@ -3839,7 +6178,7 @@
           <a:p>
             <a:fld id="{1160EA64-D806-43AC-9DF2-F8C432F32B4C}" type="datetimeFigureOut">
               <a:rPr lang="en-US" dirty="0"/>
-              <a:t>5/6/2019</a:t>
+              <a:t>5/9/2019</a:t>
             </a:fld>
             <a:endParaRPr lang="en-US" dirty="0"/>
           </a:p>
@@ -4067,7 +6406,7 @@
           <a:p>
             <a:fld id="{AB134690-1557-4C89-A502-4959FE7FAD70}" type="datetimeFigureOut">
               <a:rPr lang="en-US" dirty="0"/>
-              <a:t>5/6/2019</a:t>
+              <a:t>5/9/2019</a:t>
             </a:fld>
             <a:endParaRPr lang="en-US" dirty="0"/>
           </a:p>
@@ -4421,7 +6760,7 @@
           <a:p>
             <a:fld id="{4F7D4976-E339-4826-83B7-FBD03F55ECF8}" type="datetimeFigureOut">
               <a:rPr lang="en-US" dirty="0"/>
-              <a:t>5/6/2019</a:t>
+              <a:t>5/9/2019</a:t>
             </a:fld>
             <a:endParaRPr lang="en-US" dirty="0"/>
           </a:p>
@@ -4557,7 +6896,7 @@
           <a:p>
             <a:fld id="{E1037C31-9E7A-4F99-8774-A0E530DE1A42}" type="datetimeFigureOut">
               <a:rPr lang="en-US" dirty="0"/>
-              <a:t>5/6/2019</a:t>
+              <a:t>5/9/2019</a:t>
             </a:fld>
             <a:endParaRPr lang="en-US" dirty="0"/>
           </a:p>
@@ -4647,7 +6986,7 @@
           <a:p>
             <a:fld id="{C278504F-A551-4DE0-9316-4DCD1D8CC752}" type="datetimeFigureOut">
               <a:rPr lang="en-US" dirty="0"/>
-              <a:t>5/6/2019</a:t>
+              <a:t>5/9/2019</a:t>
             </a:fld>
             <a:endParaRPr lang="en-US" dirty="0"/>
           </a:p>
@@ -4999,7 +7338,7 @@
           <a:p>
             <a:fld id="{D1BE4249-C0D0-4B06-8692-E8BB871AF643}" type="datetimeFigureOut">
               <a:rPr lang="en-US" dirty="0"/>
-              <a:t>5/6/2019</a:t>
+              <a:t>5/9/2019</a:t>
             </a:fld>
             <a:endParaRPr lang="en-US" dirty="0"/>
           </a:p>
@@ -5351,7 +7690,7 @@
           <a:p>
             <a:fld id="{042B0DB6-F5C7-45FB-8CF3-31B45F9C2DAC}" type="datetimeFigureOut">
               <a:rPr lang="en-US" dirty="0"/>
-              <a:t>5/6/2019</a:t>
+              <a:t>5/9/2019</a:t>
             </a:fld>
             <a:endParaRPr lang="en-US" dirty="0"/>
           </a:p>
@@ -5588,7 +7927,7 @@
           <a:p>
             <a:fld id="{1160EA64-D806-43AC-9DF2-F8C432F32B4C}" type="datetimeFigureOut">
               <a:rPr lang="en-US" dirty="0"/>
-              <a:t>5/6/2019</a:t>
+              <a:t>5/9/2019</a:t>
             </a:fld>
             <a:endParaRPr lang="en-US" dirty="0"/>
           </a:p>
@@ -6229,6 +8568,713 @@
     <p:bg>
       <p:bgPr>
         <a:solidFill>
+          <a:schemeClr val="accent2"/>
+        </a:solidFill>
+        <a:effectLst/>
+      </p:bgPr>
+    </p:bg>
+    <p:spTree>
+      <p:nvGrpSpPr>
+        <p:cNvPr id="1" name=""/>
+        <p:cNvGrpSpPr/>
+        <p:nvPr/>
+      </p:nvGrpSpPr>
+      <p:grpSpPr>
+        <a:xfrm>
+          <a:off x="0" y="0"/>
+          <a:ext cx="0" cy="0"/>
+          <a:chOff x="0" y="0"/>
+          <a:chExt cx="0" cy="0"/>
+        </a:xfrm>
+      </p:grpSpPr>
+      <p:sp>
+        <p:nvSpPr>
+          <p:cNvPr id="2" name="Title 1">
+            <a:extLst>
+              <a:ext uri="{FF2B5EF4-FFF2-40B4-BE49-F238E27FC236}">
+                <a16:creationId xmlns:a16="http://schemas.microsoft.com/office/drawing/2014/main" id="{DC68D681-67DB-4333-9D9B-0014019D49E1}"/>
+              </a:ext>
+            </a:extLst>
+          </p:cNvPr>
+          <p:cNvSpPr>
+            <a:spLocks noGrp="1"/>
+          </p:cNvSpPr>
+          <p:nvPr>
+            <p:ph type="title"/>
+          </p:nvPr>
+        </p:nvSpPr>
+        <p:spPr>
+          <a:xfrm>
+            <a:off x="829781" y="2708804"/>
+            <a:ext cx="3698803" cy="1440394"/>
+          </a:xfrm>
+          <a:noFill/>
+          <a:ln>
+            <a:solidFill>
+              <a:schemeClr val="tx1"/>
+            </a:solidFill>
+          </a:ln>
+        </p:spPr>
+        <p:txBody>
+          <a:bodyPr>
+            <a:normAutofit/>
+          </a:bodyPr>
+          <a:lstStyle/>
+          <a:p>
+            <a:r>
+              <a:rPr lang="en-US" sz="2400">
+                <a:solidFill>
+                  <a:schemeClr val="tx1"/>
+                </a:solidFill>
+              </a:rPr>
+              <a:t>ADVANTAGE OF MTZ FORMULATION</a:t>
+            </a:r>
+          </a:p>
+        </p:txBody>
+      </p:sp>
+      <p:sp>
+        <p:nvSpPr>
+          <p:cNvPr id="8" name="Rectangle 7">
+            <a:extLst>
+              <a:ext uri="{FF2B5EF4-FFF2-40B4-BE49-F238E27FC236}">
+                <a16:creationId xmlns:a16="http://schemas.microsoft.com/office/drawing/2014/main" id="{FB403EBD-907E-4D59-98D4-A72CD1063C62}"/>
+              </a:ext>
+              <a:ext uri="{C183D7F6-B498-43B3-948B-1728B52AA6E4}">
+                <adec:decorative xmlns:adec="http://schemas.microsoft.com/office/drawing/2017/decorative" val="1"/>
+              </a:ext>
+            </a:extLst>
+          </p:cNvPr>
+          <p:cNvSpPr>
+            <a:spLocks noGrp="1" noRot="1" noChangeAspect="1" noMove="1" noResize="1" noEditPoints="1" noAdjustHandles="1" noChangeArrowheads="1" noChangeShapeType="1" noTextEdit="1"/>
+          </p:cNvSpPr>
+          <p:nvPr>
+            <p:extLst>
+              <p:ext uri="{386F3935-93C4-4BCD-93E2-E3B085C9AB24}">
+                <p16:designElem xmlns:p16="http://schemas.microsoft.com/office/powerpoint/2015/main" val="1"/>
+              </p:ext>
+            </p:extLst>
+          </p:nvPr>
+        </p:nvSpPr>
+        <p:spPr>
+          <a:xfrm>
+            <a:off x="5315061" y="-2"/>
+            <a:ext cx="6876939" cy="6858002"/>
+          </a:xfrm>
+          <a:prstGeom prst="rect">
+            <a:avLst/>
+          </a:prstGeom>
+          <a:solidFill>
+            <a:schemeClr val="tx1">
+              <a:lumMod val="95000"/>
+            </a:schemeClr>
+          </a:solidFill>
+          <a:ln>
+            <a:noFill/>
+          </a:ln>
+        </p:spPr>
+        <p:style>
+          <a:lnRef idx="2">
+            <a:schemeClr val="accent1">
+              <a:shade val="50000"/>
+            </a:schemeClr>
+          </a:lnRef>
+          <a:fillRef idx="1">
+            <a:schemeClr val="accent1"/>
+          </a:fillRef>
+          <a:effectRef idx="0">
+            <a:schemeClr val="accent1"/>
+          </a:effectRef>
+          <a:fontRef idx="minor">
+            <a:schemeClr val="lt1"/>
+          </a:fontRef>
+        </p:style>
+        <p:txBody>
+          <a:bodyPr rtlCol="0" anchor="ctr"/>
+          <a:lstStyle/>
+          <a:p>
+            <a:pPr algn="ctr"/>
+            <a:endParaRPr lang="en-US"/>
+          </a:p>
+        </p:txBody>
+      </p:sp>
+      <mc:AlternateContent xmlns:mc="http://schemas.openxmlformats.org/markup-compatibility/2006">
+        <mc:Choice xmlns:a14="http://schemas.microsoft.com/office/drawing/2010/main" Requires="a14">
+          <p:sp>
+            <p:nvSpPr>
+              <p:cNvPr id="3" name="Content Placeholder 2">
+                <a:extLst>
+                  <a:ext uri="{FF2B5EF4-FFF2-40B4-BE49-F238E27FC236}">
+                    <a16:creationId xmlns:a16="http://schemas.microsoft.com/office/drawing/2014/main" id="{E98F1DA9-889E-4C7D-BC71-A4E788C46B8F}"/>
+                  </a:ext>
+                </a:extLst>
+              </p:cNvPr>
+              <p:cNvSpPr>
+                <a:spLocks noGrp="1"/>
+              </p:cNvSpPr>
+              <p:nvPr>
+                <p:ph idx="1"/>
+              </p:nvPr>
+            </p:nvSpPr>
+            <p:spPr>
+              <a:xfrm>
+                <a:off x="6049182" y="802638"/>
+                <a:ext cx="5408696" cy="5252722"/>
+              </a:xfrm>
+            </p:spPr>
+            <p:txBody>
+              <a:bodyPr anchor="ctr">
+                <a:normAutofit/>
+              </a:bodyPr>
+              <a:lstStyle/>
+              <a:p>
+                <a:r>
+                  <a:rPr lang="en-US" dirty="0">
+                    <a:solidFill>
+                      <a:schemeClr val="bg1"/>
+                    </a:solidFill>
+                  </a:rPr>
+                  <a:t>Its small size (we need only n extra variables and roughly </a:t>
+                </a:r>
+                <a14:m>
+                  <m:oMath xmlns:m="http://schemas.openxmlformats.org/officeDocument/2006/math">
+                    <m:f>
+                      <m:fPr>
+                        <m:ctrlPr>
+                          <a:rPr lang="en-US" i="1">
+                            <a:solidFill>
+                              <a:schemeClr val="bg1"/>
+                            </a:solidFill>
+                            <a:latin typeface="Cambria Math" panose="02040503050406030204" pitchFamily="18" charset="0"/>
+                          </a:rPr>
+                        </m:ctrlPr>
+                      </m:fPr>
+                      <m:num>
+                        <m:sSup>
+                          <m:sSupPr>
+                            <m:ctrlPr>
+                              <a:rPr lang="en-US" b="0" i="1">
+                                <a:solidFill>
+                                  <a:schemeClr val="bg1"/>
+                                </a:solidFill>
+                                <a:latin typeface="Cambria Math" panose="02040503050406030204" pitchFamily="18" charset="0"/>
+                              </a:rPr>
+                            </m:ctrlPr>
+                          </m:sSupPr>
+                          <m:e>
+                            <m:r>
+                              <a:rPr lang="en-US" b="0" i="1">
+                                <a:solidFill>
+                                  <a:schemeClr val="bg1"/>
+                                </a:solidFill>
+                                <a:latin typeface="Cambria Math" panose="02040503050406030204" pitchFamily="18" charset="0"/>
+                              </a:rPr>
+                              <m:t>𝑛</m:t>
+                            </m:r>
+                          </m:e>
+                          <m:sup>
+                            <m:r>
+                              <a:rPr lang="en-US" b="0" i="1">
+                                <a:solidFill>
+                                  <a:schemeClr val="bg1"/>
+                                </a:solidFill>
+                                <a:latin typeface="Cambria Math" panose="02040503050406030204" pitchFamily="18" charset="0"/>
+                              </a:rPr>
+                              <m:t>2</m:t>
+                            </m:r>
+                          </m:sup>
+                        </m:sSup>
+                      </m:num>
+                      <m:den>
+                        <m:r>
+                          <a:rPr lang="en-US" b="0" i="1">
+                            <a:solidFill>
+                              <a:schemeClr val="bg1"/>
+                            </a:solidFill>
+                            <a:latin typeface="Cambria Math" panose="02040503050406030204" pitchFamily="18" charset="0"/>
+                          </a:rPr>
+                          <m:t>2</m:t>
+                        </m:r>
+                      </m:den>
+                    </m:f>
+                    <m:r>
+                      <a:rPr lang="en-US" i="1">
+                        <a:solidFill>
+                          <a:schemeClr val="bg1"/>
+                        </a:solidFill>
+                        <a:latin typeface="Cambria Math" panose="02040503050406030204" pitchFamily="18" charset="0"/>
+                      </a:rPr>
+                      <m:t> </m:t>
+                    </m:r>
+                  </m:oMath>
+                </a14:m>
+                <a:r>
+                  <a:rPr lang="en-US" dirty="0">
+                    <a:solidFill>
+                      <a:schemeClr val="bg1"/>
+                    </a:solidFill>
+                  </a:rPr>
+                  <a:t>extra constraints), </a:t>
+                </a:r>
+              </a:p>
+              <a:p>
+                <a:r>
+                  <a:rPr lang="en-US" dirty="0">
+                    <a:solidFill>
+                      <a:schemeClr val="bg1"/>
+                    </a:solidFill>
+                  </a:rPr>
+                  <a:t>If it is preferable to visit, say, city </a:t>
+                </a:r>
+                <a:r>
+                  <a:rPr lang="en-US" dirty="0" err="1">
+                    <a:solidFill>
+                      <a:schemeClr val="bg1"/>
+                    </a:solidFill>
+                  </a:rPr>
+                  <a:t>i</a:t>
+                </a:r>
+                <a:r>
+                  <a:rPr lang="en-US" dirty="0">
+                    <a:solidFill>
+                      <a:schemeClr val="bg1"/>
+                    </a:solidFill>
+                  </a:rPr>
+                  <a:t> early in the tour, one can easily model this by adding a term </a:t>
+                </a:r>
+                <a14:m>
+                  <m:oMath xmlns:m="http://schemas.openxmlformats.org/officeDocument/2006/math">
+                    <m:r>
+                      <a:rPr lang="en-US" b="0" i="1">
+                        <a:solidFill>
+                          <a:schemeClr val="bg1"/>
+                        </a:solidFill>
+                        <a:latin typeface="Cambria Math" panose="02040503050406030204" pitchFamily="18" charset="0"/>
+                      </a:rPr>
+                      <m:t>𝛼</m:t>
+                    </m:r>
+                    <m:sSub>
+                      <m:sSubPr>
+                        <m:ctrlPr>
+                          <a:rPr lang="en-US" b="0" i="1">
+                            <a:solidFill>
+                              <a:schemeClr val="bg1"/>
+                            </a:solidFill>
+                            <a:latin typeface="Cambria Math" panose="02040503050406030204" pitchFamily="18" charset="0"/>
+                          </a:rPr>
+                        </m:ctrlPr>
+                      </m:sSubPr>
+                      <m:e>
+                        <m:r>
+                          <a:rPr lang="en-US" b="0" i="1">
+                            <a:solidFill>
+                              <a:schemeClr val="bg1"/>
+                            </a:solidFill>
+                            <a:latin typeface="Cambria Math" panose="02040503050406030204" pitchFamily="18" charset="0"/>
+                          </a:rPr>
+                          <m:t>𝜇</m:t>
+                        </m:r>
+                      </m:e>
+                      <m:sub>
+                        <m:r>
+                          <a:rPr lang="en-US" b="0" i="1">
+                            <a:solidFill>
+                              <a:schemeClr val="bg1"/>
+                            </a:solidFill>
+                            <a:latin typeface="Cambria Math" panose="02040503050406030204" pitchFamily="18" charset="0"/>
+                          </a:rPr>
+                          <m:t>𝑖</m:t>
+                        </m:r>
+                      </m:sub>
+                    </m:sSub>
+                  </m:oMath>
+                </a14:m>
+                <a:r>
+                  <a:rPr lang="en-US" dirty="0">
+                    <a:solidFill>
+                      <a:schemeClr val="bg1"/>
+                    </a:solidFill>
+                  </a:rPr>
+                  <a:t> with some α &gt; 0 to the objective - cited from Pataki’ paper</a:t>
+                </a:r>
+              </a:p>
+            </p:txBody>
+          </p:sp>
+        </mc:Choice>
+        <mc:Fallback>
+          <p:sp>
+            <p:nvSpPr>
+              <p:cNvPr id="3" name="Content Placeholder 2">
+                <a:extLst>
+                  <a:ext uri="{FF2B5EF4-FFF2-40B4-BE49-F238E27FC236}">
+                    <a16:creationId xmlns:a16="http://schemas.microsoft.com/office/drawing/2014/main" id="{E98F1DA9-889E-4C7D-BC71-A4E788C46B8F}"/>
+                  </a:ext>
+                </a:extLst>
+              </p:cNvPr>
+              <p:cNvSpPr>
+                <a:spLocks noGrp="1" noRot="1" noChangeAspect="1" noMove="1" noResize="1" noEditPoints="1" noAdjustHandles="1" noChangeArrowheads="1" noChangeShapeType="1" noTextEdit="1"/>
+              </p:cNvSpPr>
+              <p:nvPr>
+                <p:ph idx="1"/>
+              </p:nvPr>
+            </p:nvSpPr>
+            <p:spPr>
+              <a:xfrm>
+                <a:off x="6049182" y="802638"/>
+                <a:ext cx="5408696" cy="5252722"/>
+              </a:xfrm>
+              <a:blipFill>
+                <a:blip r:embed="rId2"/>
+                <a:stretch>
+                  <a:fillRect l="-676"/>
+                </a:stretch>
+              </a:blipFill>
+            </p:spPr>
+            <p:txBody>
+              <a:bodyPr/>
+              <a:lstStyle/>
+              <a:p>
+                <a:r>
+                  <a:rPr lang="en-US">
+                    <a:noFill/>
+                  </a:rPr>
+                  <a:t> </a:t>
+                </a:r>
+              </a:p>
+            </p:txBody>
+          </p:sp>
+        </mc:Fallback>
+      </mc:AlternateContent>
+    </p:spTree>
+    <p:extLst>
+      <p:ext uri="{BB962C8B-B14F-4D97-AF65-F5344CB8AC3E}">
+        <p14:creationId xmlns:p14="http://schemas.microsoft.com/office/powerpoint/2010/main" val="2111805046"/>
+      </p:ext>
+    </p:extLst>
+  </p:cSld>
+  <p:clrMapOvr>
+    <a:overrideClrMapping bg1="dk1" tx1="lt1" bg2="dk2" tx2="lt2" accent1="accent1" accent2="accent2" accent3="accent3" accent4="accent4" accent5="accent5" accent6="accent6" hlink="hlink" folHlink="folHlink"/>
+  </p:clrMapOvr>
+</p:sld>
+</file>
+
+<file path=ppt/slides/slide11.xml><?xml version="1.0" encoding="utf-8"?>
+<p:sld xmlns:a="http://schemas.openxmlformats.org/drawingml/2006/main" xmlns:r="http://schemas.openxmlformats.org/officeDocument/2006/relationships" xmlns:p="http://schemas.openxmlformats.org/presentationml/2006/main">
+  <p:cSld>
+    <p:bg>
+      <p:bgPr>
+        <a:solidFill>
+          <a:schemeClr val="accent2"/>
+        </a:solidFill>
+        <a:effectLst/>
+      </p:bgPr>
+    </p:bg>
+    <p:spTree>
+      <p:nvGrpSpPr>
+        <p:cNvPr id="1" name=""/>
+        <p:cNvGrpSpPr/>
+        <p:nvPr/>
+      </p:nvGrpSpPr>
+      <p:grpSpPr>
+        <a:xfrm>
+          <a:off x="0" y="0"/>
+          <a:ext cx="0" cy="0"/>
+          <a:chOff x="0" y="0"/>
+          <a:chExt cx="0" cy="0"/>
+        </a:xfrm>
+      </p:grpSpPr>
+      <p:sp>
+        <p:nvSpPr>
+          <p:cNvPr id="2" name="Title 1">
+            <a:extLst>
+              <a:ext uri="{FF2B5EF4-FFF2-40B4-BE49-F238E27FC236}">
+                <a16:creationId xmlns:a16="http://schemas.microsoft.com/office/drawing/2014/main" id="{BA768B76-A0C7-46ED-9DED-B98FF1380D77}"/>
+              </a:ext>
+            </a:extLst>
+          </p:cNvPr>
+          <p:cNvSpPr>
+            <a:spLocks noGrp="1"/>
+          </p:cNvSpPr>
+          <p:nvPr>
+            <p:ph type="title"/>
+          </p:nvPr>
+        </p:nvSpPr>
+        <p:spPr>
+          <a:xfrm>
+            <a:off x="5498590" y="988741"/>
+            <a:ext cx="5888754" cy="4880518"/>
+          </a:xfrm>
+          <a:noFill/>
+          <a:ln>
+            <a:noFill/>
+          </a:ln>
+        </p:spPr>
+        <p:txBody>
+          <a:bodyPr vert="horz" wrap="square" lIns="274320" tIns="182880" rIns="274320" bIns="182880" rtlCol="0" anchor="ctr" anchorCtr="1">
+            <a:normAutofit/>
+          </a:bodyPr>
+          <a:lstStyle/>
+          <a:p>
+            <a:pPr algn="l"/>
+            <a:r>
+              <a:rPr lang="en-US" sz="4800" kern="1200" cap="all" spc="200" baseline="0" dirty="0">
+                <a:solidFill>
+                  <a:schemeClr val="tx1"/>
+                </a:solidFill>
+                <a:latin typeface="+mj-lt"/>
+                <a:ea typeface="+mj-ea"/>
+                <a:cs typeface="+mj-cs"/>
+              </a:rPr>
+              <a:t>Why does the subtour elimination work?</a:t>
+            </a:r>
+          </a:p>
+        </p:txBody>
+      </p:sp>
+      <p:sp>
+        <p:nvSpPr>
+          <p:cNvPr id="8" name="Rectangle 7">
+            <a:extLst>
+              <a:ext uri="{FF2B5EF4-FFF2-40B4-BE49-F238E27FC236}">
+                <a16:creationId xmlns:a16="http://schemas.microsoft.com/office/drawing/2014/main" id="{6E5BD17F-C95C-40ED-8D04-03295D46FD23}"/>
+              </a:ext>
+              <a:ext uri="{C183D7F6-B498-43B3-948B-1728B52AA6E4}">
+                <adec:decorative xmlns:adec="http://schemas.microsoft.com/office/drawing/2017/decorative" val="1"/>
+              </a:ext>
+            </a:extLst>
+          </p:cNvPr>
+          <p:cNvSpPr>
+            <a:spLocks noGrp="1" noRot="1" noChangeAspect="1" noMove="1" noResize="1" noEditPoints="1" noAdjustHandles="1" noChangeArrowheads="1" noChangeShapeType="1" noTextEdit="1"/>
+          </p:cNvSpPr>
+          <p:nvPr>
+            <p:extLst>
+              <p:ext uri="{386F3935-93C4-4BCD-93E2-E3B085C9AB24}">
+                <p16:designElem xmlns:p16="http://schemas.microsoft.com/office/powerpoint/2015/main" val="1"/>
+              </p:ext>
+            </p:extLst>
+          </p:nvPr>
+        </p:nvSpPr>
+        <p:spPr>
+          <a:xfrm>
+            <a:off x="0" y="0"/>
+            <a:ext cx="1438656" cy="6858000"/>
+          </a:xfrm>
+          <a:prstGeom prst="rect">
+            <a:avLst/>
+          </a:prstGeom>
+          <a:solidFill>
+            <a:schemeClr val="bg2">
+              <a:alpha val="80000"/>
+            </a:schemeClr>
+          </a:solidFill>
+          <a:ln>
+            <a:noFill/>
+          </a:ln>
+        </p:spPr>
+        <p:style>
+          <a:lnRef idx="2">
+            <a:schemeClr val="accent1">
+              <a:shade val="50000"/>
+            </a:schemeClr>
+          </a:lnRef>
+          <a:fillRef idx="1003">
+            <a:schemeClr val="lt1"/>
+          </a:fillRef>
+          <a:effectRef idx="0">
+            <a:schemeClr val="accent1"/>
+          </a:effectRef>
+          <a:fontRef idx="minor">
+            <a:schemeClr val="lt1"/>
+          </a:fontRef>
+        </p:style>
+        <p:txBody>
+          <a:bodyPr rtlCol="0" anchor="ctr"/>
+          <a:lstStyle/>
+          <a:p>
+            <a:pPr algn="ctr"/>
+            <a:endParaRPr lang="en-US">
+              <a:solidFill>
+                <a:schemeClr val="accent2"/>
+              </a:solidFill>
+            </a:endParaRPr>
+          </a:p>
+        </p:txBody>
+      </p:sp>
+      <p:sp>
+        <p:nvSpPr>
+          <p:cNvPr id="10" name="Rectangle 9">
+            <a:extLst>
+              <a:ext uri="{FF2B5EF4-FFF2-40B4-BE49-F238E27FC236}">
+                <a16:creationId xmlns:a16="http://schemas.microsoft.com/office/drawing/2014/main" id="{4203DEB5-0B19-4F8E-84E2-00F5861C96F9}"/>
+              </a:ext>
+              <a:ext uri="{C183D7F6-B498-43B3-948B-1728B52AA6E4}">
+                <adec:decorative xmlns:adec="http://schemas.microsoft.com/office/drawing/2017/decorative" val="1"/>
+              </a:ext>
+            </a:extLst>
+          </p:cNvPr>
+          <p:cNvSpPr>
+            <a:spLocks noGrp="1" noRot="1" noChangeAspect="1" noMove="1" noResize="1" noEditPoints="1" noAdjustHandles="1" noChangeArrowheads="1" noChangeShapeType="1" noTextEdit="1"/>
+          </p:cNvSpPr>
+          <p:nvPr>
+            <p:extLst>
+              <p:ext uri="{386F3935-93C4-4BCD-93E2-E3B085C9AB24}">
+                <p16:designElem xmlns:p16="http://schemas.microsoft.com/office/powerpoint/2015/main" val="1"/>
+              </p:ext>
+            </p:extLst>
+          </p:nvPr>
+        </p:nvSpPr>
+        <p:spPr>
+          <a:xfrm>
+            <a:off x="1438656" y="0"/>
+            <a:ext cx="3215640" cy="6858000"/>
+          </a:xfrm>
+          <a:prstGeom prst="rect">
+            <a:avLst/>
+          </a:prstGeom>
+          <a:solidFill>
+            <a:schemeClr val="accent2">
+              <a:lumMod val="75000"/>
+            </a:schemeClr>
+          </a:solidFill>
+          <a:ln>
+            <a:noFill/>
+          </a:ln>
+        </p:spPr>
+        <p:style>
+          <a:lnRef idx="2">
+            <a:schemeClr val="accent1">
+              <a:shade val="50000"/>
+            </a:schemeClr>
+          </a:lnRef>
+          <a:fillRef idx="1">
+            <a:schemeClr val="accent1"/>
+          </a:fillRef>
+          <a:effectRef idx="0">
+            <a:schemeClr val="accent1"/>
+          </a:effectRef>
+          <a:fontRef idx="minor">
+            <a:schemeClr val="lt1"/>
+          </a:fontRef>
+        </p:style>
+        <p:txBody>
+          <a:bodyPr rtlCol="0" anchor="ctr"/>
+          <a:lstStyle/>
+          <a:p>
+            <a:pPr algn="ctr"/>
+            <a:endParaRPr lang="en-US"/>
+          </a:p>
+        </p:txBody>
+      </p:sp>
+    </p:spTree>
+    <p:extLst>
+      <p:ext uri="{BB962C8B-B14F-4D97-AF65-F5344CB8AC3E}">
+        <p14:creationId xmlns:p14="http://schemas.microsoft.com/office/powerpoint/2010/main" val="3520660149"/>
+      </p:ext>
+    </p:extLst>
+  </p:cSld>
+  <p:clrMapOvr>
+    <a:overrideClrMapping bg1="dk1" tx1="lt1" bg2="dk2" tx2="lt2" accent1="accent1" accent2="accent2" accent3="accent3" accent4="accent4" accent5="accent5" accent6="accent6" hlink="hlink" folHlink="folHlink"/>
+  </p:clrMapOvr>
+</p:sld>
+</file>
+
+<file path=ppt/slides/slide12.xml><?xml version="1.0" encoding="utf-8"?>
+<p:sld xmlns:a="http://schemas.openxmlformats.org/drawingml/2006/main" xmlns:r="http://schemas.openxmlformats.org/officeDocument/2006/relationships" xmlns:p="http://schemas.openxmlformats.org/presentationml/2006/main">
+  <p:cSld>
+    <p:spTree>
+      <p:nvGrpSpPr>
+        <p:cNvPr id="1" name=""/>
+        <p:cNvGrpSpPr/>
+        <p:nvPr/>
+      </p:nvGrpSpPr>
+      <p:grpSpPr>
+        <a:xfrm>
+          <a:off x="0" y="0"/>
+          <a:ext cx="0" cy="0"/>
+          <a:chOff x="0" y="0"/>
+          <a:chExt cx="0" cy="0"/>
+        </a:xfrm>
+      </p:grpSpPr>
+      <p:sp>
+        <p:nvSpPr>
+          <p:cNvPr id="2" name="Title 1">
+            <a:extLst>
+              <a:ext uri="{FF2B5EF4-FFF2-40B4-BE49-F238E27FC236}">
+                <a16:creationId xmlns:a16="http://schemas.microsoft.com/office/drawing/2014/main" id="{8F9B7872-3EB2-4F68-921F-71A38D782476}"/>
+              </a:ext>
+            </a:extLst>
+          </p:cNvPr>
+          <p:cNvSpPr>
+            <a:spLocks noGrp="1"/>
+          </p:cNvSpPr>
+          <p:nvPr>
+            <p:ph type="title"/>
+          </p:nvPr>
+        </p:nvSpPr>
+        <p:spPr>
+          <a:xfrm>
+            <a:off x="2231136" y="964692"/>
+            <a:ext cx="7729728" cy="1188720"/>
+          </a:xfrm>
+        </p:spPr>
+        <p:txBody>
+          <a:bodyPr/>
+          <a:lstStyle/>
+          <a:p>
+            <a:r>
+              <a:rPr lang="en-US"/>
+              <a:t>The optimized path</a:t>
+            </a:r>
+            <a:endParaRPr lang="en-US" dirty="0"/>
+          </a:p>
+        </p:txBody>
+      </p:sp>
+      <p:pic>
+        <p:nvPicPr>
+          <p:cNvPr id="5" name="Content Placeholder 4" descr="A close up of a map&#10;&#10;Description automatically generated">
+            <a:extLst>
+              <a:ext uri="{FF2B5EF4-FFF2-40B4-BE49-F238E27FC236}">
+                <a16:creationId xmlns:a16="http://schemas.microsoft.com/office/drawing/2014/main" id="{40D2F24D-13BA-4F6B-A82D-F5D5DA213B38}"/>
+              </a:ext>
+            </a:extLst>
+          </p:cNvPr>
+          <p:cNvPicPr>
+            <a:picLocks noGrp="1" noChangeAspect="1"/>
+          </p:cNvPicPr>
+          <p:nvPr>
+            <p:ph idx="1"/>
+          </p:nvPr>
+        </p:nvPicPr>
+        <p:blipFill>
+          <a:blip r:embed="rId2"/>
+          <a:stretch>
+            <a:fillRect/>
+          </a:stretch>
+        </p:blipFill>
+        <p:spPr>
+          <a:xfrm>
+            <a:off x="3023376" y="2638425"/>
+            <a:ext cx="6145249" cy="3101975"/>
+          </a:xfrm>
+        </p:spPr>
+      </p:pic>
+    </p:spTree>
+    <p:extLst>
+      <p:ext uri="{BB962C8B-B14F-4D97-AF65-F5344CB8AC3E}">
+        <p14:creationId xmlns:p14="http://schemas.microsoft.com/office/powerpoint/2010/main" val="524786744"/>
+      </p:ext>
+    </p:extLst>
+  </p:cSld>
+  <p:clrMapOvr>
+    <a:masterClrMapping/>
+  </p:clrMapOvr>
+</p:sld>
+</file>
+
+<file path=ppt/slides/slide13.xml><?xml version="1.0" encoding="utf-8"?>
+<p:sld xmlns:a="http://schemas.openxmlformats.org/drawingml/2006/main" xmlns:r="http://schemas.openxmlformats.org/officeDocument/2006/relationships" xmlns:p="http://schemas.openxmlformats.org/presentationml/2006/main">
+  <p:cSld>
+    <p:bg>
+      <p:bgPr>
+        <a:solidFill>
           <a:schemeClr val="bg1"/>
         </a:solidFill>
         <a:effectLst/>
@@ -6518,7 +9564,7 @@
           <a:p>
             <a:r>
               <a:rPr lang="en-US" dirty="0"/>
-              <a:t>For a more efficient policing, we can use the K-means clustering technique to construct to precincts. Further improvements can be archived by incorporating more accurate transportation information from Google Map and the capacity of each police station.</a:t>
+              <a:t>For a more efficient policing, we can group crime points to its nearest police station to construct to precincts. Further improvements can be archived by incorporating more accurate transportation information from Google Map and the capacity of each police station.</a:t>
             </a:r>
           </a:p>
         </p:txBody>
@@ -6536,7 +9582,7 @@
 </p:sld>
 </file>
 
-<file path=ppt/slides/slide11.xml><?xml version="1.0" encoding="utf-8"?>
+<file path=ppt/slides/slide14.xml><?xml version="1.0" encoding="utf-8"?>
 <p:sld xmlns:a="http://schemas.openxmlformats.org/drawingml/2006/main" xmlns:r="http://schemas.openxmlformats.org/officeDocument/2006/relationships" xmlns:p="http://schemas.openxmlformats.org/presentationml/2006/main">
   <p:cSld>
     <p:bg>
@@ -6764,7 +9810,7 @@
 </p:sld>
 </file>
 
-<file path=ppt/slides/slide12.xml><?xml version="1.0" encoding="utf-8"?>
+<file path=ppt/slides/slide15.xml><?xml version="1.0" encoding="utf-8"?>
 <p:sld xmlns:a="http://schemas.openxmlformats.org/drawingml/2006/main" xmlns:r="http://schemas.openxmlformats.org/officeDocument/2006/relationships" xmlns:p="http://schemas.openxmlformats.org/presentationml/2006/main">
   <p:cSld>
     <p:bg>
@@ -6968,7 +10014,7 @@
 </p:sld>
 </file>
 
-<file path=ppt/slides/slide13.xml><?xml version="1.0" encoding="utf-8"?>
+<file path=ppt/slides/slide16.xml><?xml version="1.0" encoding="utf-8"?>
 <p:sld xmlns:a="http://schemas.openxmlformats.org/drawingml/2006/main" xmlns:r="http://schemas.openxmlformats.org/officeDocument/2006/relationships" xmlns:p="http://schemas.openxmlformats.org/presentationml/2006/main">
   <p:cSld>
     <p:bg>
@@ -7762,7 +10808,7 @@
             <p:spPr/>
             <p:txBody>
               <a:bodyPr>
-                <a:normAutofit lnSpcReduction="10000"/>
+                <a:normAutofit/>
               </a:bodyPr>
               <a:lstStyle/>
               <a:p>
@@ -8038,7 +11084,7 @@
                         <m:nor/>
                       </m:rPr>
                       <a:rPr lang="en-US"/>
-                      <m:t>-</m:t>
+                      <m:t>−</m:t>
                     </m:r>
                     <m:r>
                       <m:rPr>
@@ -8839,7 +11885,7 @@
               <a:blipFill>
                 <a:blip r:embed="rId2"/>
                 <a:stretch>
-                  <a:fillRect l="-473" t="-1965" b="-2947"/>
+                  <a:fillRect l="-473" t="-1179" b="-1965"/>
                 </a:stretch>
               </a:blipFill>
             </p:spPr>
@@ -9129,6 +12175,588 @@
           <p:cNvPr id="10" name="Rectangle 9">
             <a:extLst>
               <a:ext uri="{FF2B5EF4-FFF2-40B4-BE49-F238E27FC236}">
+                <a16:creationId xmlns:a16="http://schemas.microsoft.com/office/drawing/2014/main" id="{93F0ADB5-A0B4-4B01-A8C4-FDC34CE22BD4}"/>
+              </a:ext>
+              <a:ext uri="{C183D7F6-B498-43B3-948B-1728B52AA6E4}">
+                <adec:decorative xmlns:adec="http://schemas.microsoft.com/office/drawing/2017/decorative" val="1"/>
+              </a:ext>
+            </a:extLst>
+          </p:cNvPr>
+          <p:cNvSpPr>
+            <a:spLocks noGrp="1" noRot="1" noChangeAspect="1" noMove="1" noResize="1" noEditPoints="1" noAdjustHandles="1" noChangeArrowheads="1" noChangeShapeType="1" noTextEdit="1"/>
+          </p:cNvSpPr>
+          <p:nvPr>
+            <p:extLst>
+              <p:ext uri="{386F3935-93C4-4BCD-93E2-E3B085C9AB24}">
+                <p16:designElem xmlns:p16="http://schemas.microsoft.com/office/powerpoint/2015/main" val="1"/>
+              </p:ext>
+            </p:extLst>
+          </p:nvPr>
+        </p:nvSpPr>
+        <p:spPr>
+          <a:xfrm>
+            <a:off x="0" y="0"/>
+            <a:ext cx="12191999" cy="6858000"/>
+          </a:xfrm>
+          <a:prstGeom prst="rect">
+            <a:avLst/>
+          </a:prstGeom>
+          <a:ln>
+            <a:noFill/>
+          </a:ln>
+        </p:spPr>
+        <p:style>
+          <a:lnRef idx="2">
+            <a:schemeClr val="accent1">
+              <a:shade val="50000"/>
+            </a:schemeClr>
+          </a:lnRef>
+          <a:fillRef idx="1">
+            <a:schemeClr val="accent1"/>
+          </a:fillRef>
+          <a:effectRef idx="0">
+            <a:schemeClr val="accent1"/>
+          </a:effectRef>
+          <a:fontRef idx="minor">
+            <a:schemeClr val="lt1"/>
+          </a:fontRef>
+        </p:style>
+        <p:txBody>
+          <a:bodyPr rtlCol="0" anchor="ctr"/>
+          <a:lstStyle/>
+          <a:p>
+            <a:pPr algn="ctr"/>
+            <a:endParaRPr lang="en-US"/>
+          </a:p>
+        </p:txBody>
+      </p:sp>
+      <p:sp>
+        <p:nvSpPr>
+          <p:cNvPr id="12" name="Rectangle 11">
+            <a:extLst>
+              <a:ext uri="{FF2B5EF4-FFF2-40B4-BE49-F238E27FC236}">
+                <a16:creationId xmlns:a16="http://schemas.microsoft.com/office/drawing/2014/main" id="{AA6D0FDE-0241-4C21-A720-A69475358235}"/>
+              </a:ext>
+              <a:ext uri="{C183D7F6-B498-43B3-948B-1728B52AA6E4}">
+                <adec:decorative xmlns:adec="http://schemas.microsoft.com/office/drawing/2017/decorative" val="1"/>
+              </a:ext>
+            </a:extLst>
+          </p:cNvPr>
+          <p:cNvSpPr>
+            <a:spLocks noGrp="1" noRot="1" noChangeAspect="1" noMove="1" noResize="1" noEditPoints="1" noAdjustHandles="1" noChangeArrowheads="1" noChangeShapeType="1" noTextEdit="1"/>
+          </p:cNvSpPr>
+          <p:nvPr>
+            <p:extLst>
+              <p:ext uri="{386F3935-93C4-4BCD-93E2-E3B085C9AB24}">
+                <p16:designElem xmlns:p16="http://schemas.microsoft.com/office/powerpoint/2015/main" val="1"/>
+              </p:ext>
+            </p:extLst>
+          </p:nvPr>
+        </p:nvSpPr>
+        <p:spPr>
+          <a:xfrm>
+            <a:off x="0" y="0"/>
+            <a:ext cx="4654296" cy="6858000"/>
+          </a:xfrm>
+          <a:prstGeom prst="rect">
+            <a:avLst/>
+          </a:prstGeom>
+          <a:solidFill>
+            <a:schemeClr val="tx2"/>
+          </a:solidFill>
+          <a:ln>
+            <a:noFill/>
+          </a:ln>
+        </p:spPr>
+        <p:style>
+          <a:lnRef idx="0">
+            <a:scrgbClr r="0" g="0" b="0"/>
+          </a:lnRef>
+          <a:fillRef idx="0">
+            <a:scrgbClr r="0" g="0" b="0"/>
+          </a:fillRef>
+          <a:effectRef idx="0">
+            <a:scrgbClr r="0" g="0" b="0"/>
+          </a:effectRef>
+          <a:fontRef idx="minor">
+            <a:schemeClr val="lt1"/>
+          </a:fontRef>
+        </p:style>
+        <p:txBody>
+          <a:bodyPr rtlCol="0" anchor="ctr"/>
+          <a:lstStyle/>
+          <a:p>
+            <a:pPr algn="ctr"/>
+            <a:endParaRPr lang="en-US"/>
+          </a:p>
+        </p:txBody>
+      </p:sp>
+      <p:sp>
+        <p:nvSpPr>
+          <p:cNvPr id="2" name="Title 1">
+            <a:extLst>
+              <a:ext uri="{FF2B5EF4-FFF2-40B4-BE49-F238E27FC236}">
+                <a16:creationId xmlns:a16="http://schemas.microsoft.com/office/drawing/2014/main" id="{EFEBAB62-F7A8-42F0-9356-0C69D7BD7BC4}"/>
+              </a:ext>
+            </a:extLst>
+          </p:cNvPr>
+          <p:cNvSpPr>
+            <a:spLocks noGrp="1"/>
+          </p:cNvSpPr>
+          <p:nvPr>
+            <p:ph type="title"/>
+          </p:nvPr>
+        </p:nvSpPr>
+        <p:spPr>
+          <a:xfrm>
+            <a:off x="643467" y="2681103"/>
+            <a:ext cx="3363974" cy="1495794"/>
+          </a:xfrm>
+          <a:noFill/>
+          <a:ln>
+            <a:solidFill>
+              <a:schemeClr val="bg1"/>
+            </a:solidFill>
+          </a:ln>
+        </p:spPr>
+        <p:txBody>
+          <a:bodyPr wrap="square">
+            <a:normAutofit fontScale="90000"/>
+          </a:bodyPr>
+          <a:lstStyle/>
+          <a:p>
+            <a:r>
+              <a:rPr lang="en-US" altLang="zh-CN" sz="2000" dirty="0">
+                <a:solidFill>
+                  <a:schemeClr val="bg1"/>
+                </a:solidFill>
+              </a:rPr>
+              <a:t>HOW TO CHOOSE THE INITIAL POINTS?</a:t>
+            </a:r>
+            <a:br>
+              <a:rPr lang="en-US" altLang="zh-CN" sz="2000" dirty="0">
+                <a:solidFill>
+                  <a:schemeClr val="bg1"/>
+                </a:solidFill>
+              </a:rPr>
+            </a:br>
+            <a:r>
+              <a:rPr lang="en-US" altLang="zh-CN" sz="2000" dirty="0">
+                <a:solidFill>
+                  <a:schemeClr val="bg1"/>
+                </a:solidFill>
+              </a:rPr>
+              <a:t>Why one would you prefer?</a:t>
+            </a:r>
+            <a:br>
+              <a:rPr lang="en-US" altLang="zh-CN" sz="2000" dirty="0">
+                <a:solidFill>
+                  <a:schemeClr val="bg1"/>
+                </a:solidFill>
+              </a:rPr>
+            </a:br>
+            <a:endParaRPr lang="en-US" sz="2000" dirty="0">
+              <a:solidFill>
+                <a:schemeClr val="bg1"/>
+              </a:solidFill>
+            </a:endParaRPr>
+          </a:p>
+        </p:txBody>
+      </p:sp>
+      <p:graphicFrame>
+        <p:nvGraphicFramePr>
+          <p:cNvPr id="5" name="Content Placeholder 2">
+            <a:extLst>
+              <a:ext uri="{FF2B5EF4-FFF2-40B4-BE49-F238E27FC236}">
+                <a16:creationId xmlns:a16="http://schemas.microsoft.com/office/drawing/2014/main" id="{7702A918-71DB-41A7-A205-4A8F51FF4314}"/>
+              </a:ext>
+            </a:extLst>
+          </p:cNvPr>
+          <p:cNvGraphicFramePr>
+            <a:graphicFrameLocks noGrp="1"/>
+          </p:cNvGraphicFramePr>
+          <p:nvPr>
+            <p:ph idx="1"/>
+            <p:extLst>
+              <p:ext uri="{D42A27DB-BD31-4B8C-83A1-F6EECF244321}">
+                <p14:modId xmlns:p14="http://schemas.microsoft.com/office/powerpoint/2010/main" val="39151990"/>
+              </p:ext>
+            </p:extLst>
+          </p:nvPr>
+        </p:nvGraphicFramePr>
+        <p:xfrm>
+          <a:off x="5619750" y="965200"/>
+          <a:ext cx="5607050" cy="4927600"/>
+        </p:xfrm>
+        <a:graphic>
+          <a:graphicData uri="http://schemas.openxmlformats.org/drawingml/2006/diagram">
+            <dgm:relIds xmlns:dgm="http://schemas.openxmlformats.org/drawingml/2006/diagram" xmlns:r="http://schemas.openxmlformats.org/officeDocument/2006/relationships" r:dm="rId2" r:lo="rId3" r:qs="rId4" r:cs="rId5"/>
+          </a:graphicData>
+        </a:graphic>
+      </p:graphicFrame>
+    </p:spTree>
+    <p:extLst>
+      <p:ext uri="{BB962C8B-B14F-4D97-AF65-F5344CB8AC3E}">
+        <p14:creationId xmlns:p14="http://schemas.microsoft.com/office/powerpoint/2010/main" val="3928022840"/>
+      </p:ext>
+    </p:extLst>
+  </p:cSld>
+  <p:clrMapOvr>
+    <a:masterClrMapping/>
+  </p:clrMapOvr>
+</p:sld>
+</file>
+
+<file path=ppt/slides/slide7.xml><?xml version="1.0" encoding="utf-8"?>
+<p:sld xmlns:a="http://schemas.openxmlformats.org/drawingml/2006/main" xmlns:r="http://schemas.openxmlformats.org/officeDocument/2006/relationships" xmlns:p="http://schemas.openxmlformats.org/presentationml/2006/main">
+  <p:cSld>
+    <p:bg>
+      <p:bgPr>
+        <a:solidFill>
+          <a:schemeClr val="bg1"/>
+        </a:solidFill>
+        <a:effectLst/>
+      </p:bgPr>
+    </p:bg>
+    <p:spTree>
+      <p:nvGrpSpPr>
+        <p:cNvPr id="1" name=""/>
+        <p:cNvGrpSpPr/>
+        <p:nvPr/>
+      </p:nvGrpSpPr>
+      <p:grpSpPr>
+        <a:xfrm>
+          <a:off x="0" y="0"/>
+          <a:ext cx="0" cy="0"/>
+          <a:chOff x="0" y="0"/>
+          <a:chExt cx="0" cy="0"/>
+        </a:xfrm>
+      </p:grpSpPr>
+      <p:sp>
+        <p:nvSpPr>
+          <p:cNvPr id="14" name="Rectangle 7">
+            <a:extLst>
+              <a:ext uri="{FF2B5EF4-FFF2-40B4-BE49-F238E27FC236}">
+                <a16:creationId xmlns:a16="http://schemas.microsoft.com/office/drawing/2014/main" id="{2AEFFFF2-9EB4-4B6C-B9F8-2BA3EF89A21C}"/>
+              </a:ext>
+              <a:ext uri="{C183D7F6-B498-43B3-948B-1728B52AA6E4}">
+                <adec:decorative xmlns:adec="http://schemas.microsoft.com/office/drawing/2017/decorative" val="1"/>
+              </a:ext>
+            </a:extLst>
+          </p:cNvPr>
+          <p:cNvSpPr>
+            <a:spLocks noGrp="1" noRot="1" noChangeAspect="1" noMove="1" noResize="1" noEditPoints="1" noAdjustHandles="1" noChangeArrowheads="1" noChangeShapeType="1" noTextEdit="1"/>
+          </p:cNvSpPr>
+          <p:nvPr>
+            <p:extLst>
+              <p:ext uri="{386F3935-93C4-4BCD-93E2-E3B085C9AB24}">
+                <p16:designElem xmlns:p16="http://schemas.microsoft.com/office/powerpoint/2015/main" val="1"/>
+              </p:ext>
+            </p:extLst>
+          </p:nvPr>
+        </p:nvSpPr>
+        <p:spPr>
+          <a:xfrm>
+            <a:off x="1" y="0"/>
+            <a:ext cx="3070172" cy="6858000"/>
+          </a:xfrm>
+          <a:prstGeom prst="rect">
+            <a:avLst/>
+          </a:prstGeom>
+          <a:solidFill>
+            <a:schemeClr val="tx2"/>
+          </a:solidFill>
+          <a:ln>
+            <a:noFill/>
+          </a:ln>
+        </p:spPr>
+        <p:style>
+          <a:lnRef idx="2">
+            <a:schemeClr val="accent1">
+              <a:shade val="50000"/>
+            </a:schemeClr>
+          </a:lnRef>
+          <a:fillRef idx="1">
+            <a:schemeClr val="accent1"/>
+          </a:fillRef>
+          <a:effectRef idx="0">
+            <a:schemeClr val="accent1"/>
+          </a:effectRef>
+          <a:fontRef idx="minor">
+            <a:schemeClr val="lt1"/>
+          </a:fontRef>
+        </p:style>
+        <p:txBody>
+          <a:bodyPr rtlCol="0" anchor="ctr"/>
+          <a:lstStyle/>
+          <a:p>
+            <a:pPr algn="ctr"/>
+            <a:endParaRPr lang="en-US"/>
+          </a:p>
+        </p:txBody>
+      </p:sp>
+      <p:sp useBgFill="1">
+        <p:nvSpPr>
+          <p:cNvPr id="15" name="Rectangle 9">
+            <a:extLst>
+              <a:ext uri="{FF2B5EF4-FFF2-40B4-BE49-F238E27FC236}">
+                <a16:creationId xmlns:a16="http://schemas.microsoft.com/office/drawing/2014/main" id="{0D65299F-028F-4AFC-B46A-8DB33E20FE4A}"/>
+              </a:ext>
+              <a:ext uri="{C183D7F6-B498-43B3-948B-1728B52AA6E4}">
+                <adec:decorative xmlns:adec="http://schemas.microsoft.com/office/drawing/2017/decorative" val="1"/>
+              </a:ext>
+            </a:extLst>
+          </p:cNvPr>
+          <p:cNvSpPr>
+            <a:spLocks noGrp="1" noRot="1" noChangeAspect="1" noMove="1" noResize="1" noEditPoints="1" noAdjustHandles="1" noChangeArrowheads="1" noChangeShapeType="1" noTextEdit="1"/>
+          </p:cNvSpPr>
+          <p:nvPr>
+            <p:extLst>
+              <p:ext uri="{386F3935-93C4-4BCD-93E2-E3B085C9AB24}">
+                <p16:designElem xmlns:p16="http://schemas.microsoft.com/office/powerpoint/2015/main" val="1"/>
+              </p:ext>
+            </p:extLst>
+          </p:nvPr>
+        </p:nvSpPr>
+        <p:spPr>
+          <a:xfrm>
+            <a:off x="3070172" y="0"/>
+            <a:ext cx="9121828" cy="6858000"/>
+          </a:xfrm>
+          <a:prstGeom prst="rect">
+            <a:avLst/>
+          </a:prstGeom>
+          <a:ln>
+            <a:noFill/>
+          </a:ln>
+        </p:spPr>
+        <p:style>
+          <a:lnRef idx="2">
+            <a:schemeClr val="accent1">
+              <a:shade val="50000"/>
+            </a:schemeClr>
+          </a:lnRef>
+          <a:fillRef idx="1">
+            <a:schemeClr val="accent1"/>
+          </a:fillRef>
+          <a:effectRef idx="0">
+            <a:schemeClr val="accent1"/>
+          </a:effectRef>
+          <a:fontRef idx="minor">
+            <a:schemeClr val="lt1"/>
+          </a:fontRef>
+        </p:style>
+        <p:txBody>
+          <a:bodyPr rtlCol="0" anchor="ctr"/>
+          <a:lstStyle/>
+          <a:p>
+            <a:pPr algn="ctr"/>
+            <a:endParaRPr lang="en-US"/>
+          </a:p>
+        </p:txBody>
+      </p:sp>
+      <p:sp>
+        <p:nvSpPr>
+          <p:cNvPr id="16" name="Oval 11">
+            <a:extLst>
+              <a:ext uri="{FF2B5EF4-FFF2-40B4-BE49-F238E27FC236}">
+                <a16:creationId xmlns:a16="http://schemas.microsoft.com/office/drawing/2014/main" id="{BAC87F6E-526A-49B5-995D-42DB656594C9}"/>
+              </a:ext>
+              <a:ext uri="{C183D7F6-B498-43B3-948B-1728B52AA6E4}">
+                <adec:decorative xmlns:adec="http://schemas.microsoft.com/office/drawing/2017/decorative" val="1"/>
+              </a:ext>
+            </a:extLst>
+          </p:cNvPr>
+          <p:cNvSpPr>
+            <a:spLocks noGrp="1" noRot="1" noChangeAspect="1" noMove="1" noResize="1" noEditPoints="1" noAdjustHandles="1" noChangeArrowheads="1" noChangeShapeType="1" noTextEdit="1"/>
+          </p:cNvSpPr>
+          <p:nvPr>
+            <p:extLst>
+              <p:ext uri="{386F3935-93C4-4BCD-93E2-E3B085C9AB24}">
+                <p16:designElem xmlns:p16="http://schemas.microsoft.com/office/powerpoint/2015/main" val="1"/>
+              </p:ext>
+            </p:extLst>
+          </p:nvPr>
+        </p:nvSpPr>
+        <p:spPr>
+          <a:xfrm>
+            <a:off x="1117423" y="1443035"/>
+            <a:ext cx="3971932" cy="3971930"/>
+          </a:xfrm>
+          <a:prstGeom prst="ellipse">
+            <a:avLst/>
+          </a:prstGeom>
+          <a:solidFill>
+            <a:srgbClr val="FFFFFF"/>
+          </a:solidFill>
+          <a:ln w="31750">
+            <a:solidFill>
+              <a:schemeClr val="accent2">
+                <a:lumMod val="75000"/>
+              </a:schemeClr>
+            </a:solidFill>
+          </a:ln>
+        </p:spPr>
+        <p:style>
+          <a:lnRef idx="2">
+            <a:schemeClr val="accent1">
+              <a:shade val="50000"/>
+            </a:schemeClr>
+          </a:lnRef>
+          <a:fillRef idx="1">
+            <a:schemeClr val="accent1"/>
+          </a:fillRef>
+          <a:effectRef idx="0">
+            <a:schemeClr val="accent1"/>
+          </a:effectRef>
+          <a:fontRef idx="minor">
+            <a:schemeClr val="lt1"/>
+          </a:fontRef>
+        </p:style>
+        <p:txBody>
+          <a:bodyPr rtlCol="0" anchor="ctr"/>
+          <a:lstStyle/>
+          <a:p>
+            <a:pPr algn="ctr"/>
+            <a:endParaRPr lang="en-US"/>
+          </a:p>
+        </p:txBody>
+      </p:sp>
+      <p:sp>
+        <p:nvSpPr>
+          <p:cNvPr id="2" name="Title 1">
+            <a:extLst>
+              <a:ext uri="{FF2B5EF4-FFF2-40B4-BE49-F238E27FC236}">
+                <a16:creationId xmlns:a16="http://schemas.microsoft.com/office/drawing/2014/main" id="{F3ABA874-41D4-42AD-8779-38532C3F1651}"/>
+              </a:ext>
+            </a:extLst>
+          </p:cNvPr>
+          <p:cNvSpPr>
+            <a:spLocks noGrp="1"/>
+          </p:cNvSpPr>
+          <p:nvPr>
+            <p:ph type="title"/>
+          </p:nvPr>
+        </p:nvSpPr>
+        <p:spPr>
+          <a:xfrm>
+            <a:off x="1260873" y="1586484"/>
+            <a:ext cx="3685032" cy="3685032"/>
+          </a:xfrm>
+          <a:prstGeom prst="ellipse">
+            <a:avLst/>
+          </a:prstGeom>
+          <a:solidFill>
+            <a:schemeClr val="accent2">
+              <a:lumMod val="75000"/>
+            </a:schemeClr>
+          </a:solidFill>
+          <a:ln>
+            <a:noFill/>
+          </a:ln>
+        </p:spPr>
+        <p:txBody>
+          <a:bodyPr>
+            <a:normAutofit/>
+          </a:bodyPr>
+          <a:lstStyle/>
+          <a:p>
+            <a:r>
+              <a:rPr lang="en-US" sz="3000">
+                <a:solidFill>
+                  <a:srgbClr val="FFFFFF"/>
+                </a:solidFill>
+              </a:rPr>
+              <a:t>Bradley &amp; Rayyad’s PROGRESS in 1997</a:t>
+            </a:r>
+          </a:p>
+        </p:txBody>
+      </p:sp>
+      <p:sp>
+        <p:nvSpPr>
+          <p:cNvPr id="3" name="Content Placeholder 2">
+            <a:extLst>
+              <a:ext uri="{FF2B5EF4-FFF2-40B4-BE49-F238E27FC236}">
+                <a16:creationId xmlns:a16="http://schemas.microsoft.com/office/drawing/2014/main" id="{619044C7-FDAA-4C98-A2F8-787D2F1015ED}"/>
+              </a:ext>
+            </a:extLst>
+          </p:cNvPr>
+          <p:cNvSpPr>
+            <a:spLocks noGrp="1"/>
+          </p:cNvSpPr>
+          <p:nvPr>
+            <p:ph idx="1"/>
+          </p:nvPr>
+        </p:nvSpPr>
+        <p:spPr>
+          <a:xfrm>
+            <a:off x="5591695" y="1402080"/>
+            <a:ext cx="5320696" cy="4053840"/>
+          </a:xfrm>
+        </p:spPr>
+        <p:txBody>
+          <a:bodyPr anchor="ctr">
+            <a:normAutofit/>
+          </a:bodyPr>
+          <a:lstStyle/>
+          <a:p>
+            <a:r>
+              <a:rPr lang="en-US"/>
+              <a:t>“We present a procedure for computing a refined starting condition from a given initial one that is based on an efficient technique for estimating the modes of a distribution. The refined initial starting condition allows the iterative algorithm to converge to a “better” local minimum. “</a:t>
+            </a:r>
+          </a:p>
+          <a:p>
+            <a:r>
+              <a:rPr lang="en-US"/>
+              <a:t>“We assume that in addition to the observed variables for each data item, there is a hidden, unobserved variable indicating the “cluster membership” of the given data item. Hence the data is assumed to arrive from a mixture model and the mixing labels (cluster identifiers) are hidden. “-cited from their 1997 paper.</a:t>
+            </a:r>
+            <a:endParaRPr lang="en-US" dirty="0"/>
+          </a:p>
+        </p:txBody>
+      </p:sp>
+    </p:spTree>
+    <p:extLst>
+      <p:ext uri="{BB962C8B-B14F-4D97-AF65-F5344CB8AC3E}">
+        <p14:creationId xmlns:p14="http://schemas.microsoft.com/office/powerpoint/2010/main" val="856868122"/>
+      </p:ext>
+    </p:extLst>
+  </p:cSld>
+  <p:clrMapOvr>
+    <a:masterClrMapping/>
+  </p:clrMapOvr>
+</p:sld>
+</file>
+
+<file path=ppt/slides/slide8.xml><?xml version="1.0" encoding="utf-8"?>
+<p:sld xmlns:a="http://schemas.openxmlformats.org/drawingml/2006/main" xmlns:r="http://schemas.openxmlformats.org/officeDocument/2006/relationships" xmlns:p="http://schemas.openxmlformats.org/presentationml/2006/main">
+  <p:cSld>
+    <p:bg>
+      <p:bgPr>
+        <a:solidFill>
+          <a:schemeClr val="bg1"/>
+        </a:solidFill>
+        <a:effectLst/>
+      </p:bgPr>
+    </p:bg>
+    <p:spTree>
+      <p:nvGrpSpPr>
+        <p:cNvPr id="1" name=""/>
+        <p:cNvGrpSpPr/>
+        <p:nvPr/>
+      </p:nvGrpSpPr>
+      <p:grpSpPr>
+        <a:xfrm>
+          <a:off x="0" y="0"/>
+          <a:ext cx="0" cy="0"/>
+          <a:chOff x="0" y="0"/>
+          <a:chExt cx="0" cy="0"/>
+        </a:xfrm>
+      </p:grpSpPr>
+      <p:sp useBgFill="1">
+        <p:nvSpPr>
+          <p:cNvPr id="10" name="Rectangle 9">
+            <a:extLst>
+              <a:ext uri="{FF2B5EF4-FFF2-40B4-BE49-F238E27FC236}">
                 <a16:creationId xmlns:a16="http://schemas.microsoft.com/office/drawing/2014/main" id="{419501C6-F015-4273-AF88-E0F6C853899F}"/>
               </a:ext>
               <a:ext uri="{C183D7F6-B498-43B3-948B-1728B52AA6E4}">
@@ -9327,7 +12955,7 @@
 </p:sld>
 </file>
 
-<file path=ppt/slides/slide7.xml><?xml version="1.0" encoding="utf-8"?>
+<file path=ppt/slides/slide9.xml><?xml version="1.0" encoding="utf-8"?>
 <p:sld xmlns:a="http://schemas.openxmlformats.org/drawingml/2006/main" xmlns:r="http://schemas.openxmlformats.org/officeDocument/2006/relationships" xmlns:p="http://schemas.openxmlformats.org/presentationml/2006/main">
   <p:cSld>
     <p:bg>
@@ -9919,35 +13547,7 @@
                     <a:latin typeface="Arial" panose="020B0604020202020204" pitchFamily="34" charset="0"/>
                     <a:cs typeface="Arial" panose="020B0604020202020204" pitchFamily="34" charset="0"/>
                   </a:rPr>
-                  <a:t> as a dummy variable. Then we can formulate the TSP as the </a:t>
-                </a:r>
-                <a:r>
-                  <a:rPr kumimoji="0" lang="en-US" altLang="en-US" b="0" i="0" u="none" strike="noStrike" cap="none" normalizeH="0" baseline="0" dirty="0" err="1">
-                    <a:ln>
-                      <a:noFill/>
-                    </a:ln>
-                    <a:solidFill>
-                      <a:schemeClr val="bg1"/>
-                    </a:solidFill>
-                    <a:effectLst/>
-                    <a:latin typeface="Arial" panose="020B0604020202020204" pitchFamily="34" charset="0"/>
-                    <a:cs typeface="Arial" panose="020B0604020202020204" pitchFamily="34" charset="0"/>
-                  </a:rPr>
-                  <a:t>rightside</a:t>
-                </a:r>
-                <a:r>
-                  <a:rPr kumimoji="0" lang="en-US" altLang="en-US" b="0" i="0" u="none" strike="noStrike" cap="none" normalizeH="0" baseline="0" dirty="0">
-                    <a:ln>
-                      <a:noFill/>
-                    </a:ln>
-                    <a:solidFill>
-                      <a:schemeClr val="bg1"/>
-                    </a:solidFill>
-                    <a:effectLst/>
-                    <a:latin typeface="Arial" panose="020B0604020202020204" pitchFamily="34" charset="0"/>
-                    <a:cs typeface="Arial" panose="020B0604020202020204" pitchFamily="34" charset="0"/>
-                  </a:rPr>
-                  <a:t> integer linear programming problem:</a:t>
+                  <a:t> as a dummy variable. Then we can formulate the TSP as the right-side integer linear programming problem:</a:t>
                 </a:r>
                 <a:r>
                   <a:rPr kumimoji="0" lang="en-US" altLang="en-US" b="0" i="0" u="none" strike="noStrike" cap="none" normalizeH="0" baseline="0" dirty="0">
@@ -10060,7 +13660,7 @@
       </mc:AlternateContent>
       <p:pic>
         <p:nvPicPr>
-          <p:cNvPr id="7" name="Picture 6" descr="A screenshot of a cell phone&#10;&#10;Description automatically generated">
+          <p:cNvPr id="7" name="Picture 6">
             <a:extLst>
               <a:ext uri="{FF2B5EF4-FFF2-40B4-BE49-F238E27FC236}">
                 <a16:creationId xmlns:a16="http://schemas.microsoft.com/office/drawing/2014/main" id="{35E0C30E-1EF8-46CD-89D7-D7840F37A3BB}"/>
@@ -10080,8 +13680,8 @@
         </p:blipFill>
         <p:spPr>
           <a:xfrm>
-            <a:off x="5297763" y="1595920"/>
-            <a:ext cx="6250769" cy="3505293"/>
+            <a:off x="5998253" y="1595920"/>
+            <a:ext cx="4849789" cy="3505293"/>
           </a:xfrm>
           <a:prstGeom prst="rect">
             <a:avLst/>
@@ -10092,318 +13692,6 @@
     <p:extLst>
       <p:ext uri="{BB962C8B-B14F-4D97-AF65-F5344CB8AC3E}">
         <p14:creationId xmlns:p14="http://schemas.microsoft.com/office/powerpoint/2010/main" val="880233853"/>
-      </p:ext>
-    </p:extLst>
-  </p:cSld>
-  <p:clrMapOvr>
-    <a:masterClrMapping/>
-  </p:clrMapOvr>
-</p:sld>
-</file>
-
-<file path=ppt/slides/slide8.xml><?xml version="1.0" encoding="utf-8"?>
-<p:sld xmlns:a="http://schemas.openxmlformats.org/drawingml/2006/main" xmlns:r="http://schemas.openxmlformats.org/officeDocument/2006/relationships" xmlns:p="http://schemas.openxmlformats.org/presentationml/2006/main">
-  <p:cSld>
-    <p:bg>
-      <p:bgPr>
-        <a:solidFill>
-          <a:schemeClr val="accent2"/>
-        </a:solidFill>
-        <a:effectLst/>
-      </p:bgPr>
-    </p:bg>
-    <p:spTree>
-      <p:nvGrpSpPr>
-        <p:cNvPr id="1" name=""/>
-        <p:cNvGrpSpPr/>
-        <p:nvPr/>
-      </p:nvGrpSpPr>
-      <p:grpSpPr>
-        <a:xfrm>
-          <a:off x="0" y="0"/>
-          <a:ext cx="0" cy="0"/>
-          <a:chOff x="0" y="0"/>
-          <a:chExt cx="0" cy="0"/>
-        </a:xfrm>
-      </p:grpSpPr>
-      <p:sp>
-        <p:nvSpPr>
-          <p:cNvPr id="2" name="Title 1">
-            <a:extLst>
-              <a:ext uri="{FF2B5EF4-FFF2-40B4-BE49-F238E27FC236}">
-                <a16:creationId xmlns:a16="http://schemas.microsoft.com/office/drawing/2014/main" id="{BA768B76-A0C7-46ED-9DED-B98FF1380D77}"/>
-              </a:ext>
-            </a:extLst>
-          </p:cNvPr>
-          <p:cNvSpPr>
-            <a:spLocks noGrp="1"/>
-          </p:cNvSpPr>
-          <p:nvPr>
-            <p:ph type="title"/>
-          </p:nvPr>
-        </p:nvSpPr>
-        <p:spPr>
-          <a:xfrm>
-            <a:off x="5498590" y="988741"/>
-            <a:ext cx="5888754" cy="4880518"/>
-          </a:xfrm>
-          <a:noFill/>
-          <a:ln>
-            <a:noFill/>
-          </a:ln>
-        </p:spPr>
-        <p:txBody>
-          <a:bodyPr vert="horz" wrap="square" lIns="274320" tIns="182880" rIns="274320" bIns="182880" rtlCol="0" anchor="ctr" anchorCtr="1">
-            <a:normAutofit/>
-          </a:bodyPr>
-          <a:lstStyle/>
-          <a:p>
-            <a:pPr algn="l"/>
-            <a:r>
-              <a:rPr lang="en-US" sz="4800" kern="1200" cap="all" spc="200" baseline="0" dirty="0">
-                <a:solidFill>
-                  <a:schemeClr val="tx1"/>
-                </a:solidFill>
-                <a:latin typeface="+mj-lt"/>
-                <a:ea typeface="+mj-ea"/>
-                <a:cs typeface="+mj-cs"/>
-              </a:rPr>
-              <a:t>Why does the subtour elimination work?</a:t>
-            </a:r>
-          </a:p>
-        </p:txBody>
-      </p:sp>
-      <p:sp>
-        <p:nvSpPr>
-          <p:cNvPr id="8" name="Rectangle 7">
-            <a:extLst>
-              <a:ext uri="{FF2B5EF4-FFF2-40B4-BE49-F238E27FC236}">
-                <a16:creationId xmlns:a16="http://schemas.microsoft.com/office/drawing/2014/main" id="{6E5BD17F-C95C-40ED-8D04-03295D46FD23}"/>
-              </a:ext>
-              <a:ext uri="{C183D7F6-B498-43B3-948B-1728B52AA6E4}">
-                <adec:decorative xmlns:adec="http://schemas.microsoft.com/office/drawing/2017/decorative" val="1"/>
-              </a:ext>
-            </a:extLst>
-          </p:cNvPr>
-          <p:cNvSpPr>
-            <a:spLocks noGrp="1" noRot="1" noChangeAspect="1" noMove="1" noResize="1" noEditPoints="1" noAdjustHandles="1" noChangeArrowheads="1" noChangeShapeType="1" noTextEdit="1"/>
-          </p:cNvSpPr>
-          <p:nvPr>
-            <p:extLst>
-              <p:ext uri="{386F3935-93C4-4BCD-93E2-E3B085C9AB24}">
-                <p16:designElem xmlns:p16="http://schemas.microsoft.com/office/powerpoint/2015/main" val="1"/>
-              </p:ext>
-            </p:extLst>
-          </p:nvPr>
-        </p:nvSpPr>
-        <p:spPr>
-          <a:xfrm>
-            <a:off x="0" y="0"/>
-            <a:ext cx="1438656" cy="6858000"/>
-          </a:xfrm>
-          <a:prstGeom prst="rect">
-            <a:avLst/>
-          </a:prstGeom>
-          <a:solidFill>
-            <a:schemeClr val="bg2">
-              <a:alpha val="80000"/>
-            </a:schemeClr>
-          </a:solidFill>
-          <a:ln>
-            <a:noFill/>
-          </a:ln>
-        </p:spPr>
-        <p:style>
-          <a:lnRef idx="2">
-            <a:schemeClr val="accent1">
-              <a:shade val="50000"/>
-            </a:schemeClr>
-          </a:lnRef>
-          <a:fillRef idx="1003">
-            <a:schemeClr val="lt1"/>
-          </a:fillRef>
-          <a:effectRef idx="0">
-            <a:schemeClr val="accent1"/>
-          </a:effectRef>
-          <a:fontRef idx="minor">
-            <a:schemeClr val="lt1"/>
-          </a:fontRef>
-        </p:style>
-        <p:txBody>
-          <a:bodyPr rtlCol="0" anchor="ctr"/>
-          <a:lstStyle/>
-          <a:p>
-            <a:pPr algn="ctr"/>
-            <a:endParaRPr lang="en-US">
-              <a:solidFill>
-                <a:schemeClr val="accent2"/>
-              </a:solidFill>
-            </a:endParaRPr>
-          </a:p>
-        </p:txBody>
-      </p:sp>
-      <p:sp>
-        <p:nvSpPr>
-          <p:cNvPr id="10" name="Rectangle 9">
-            <a:extLst>
-              <a:ext uri="{FF2B5EF4-FFF2-40B4-BE49-F238E27FC236}">
-                <a16:creationId xmlns:a16="http://schemas.microsoft.com/office/drawing/2014/main" id="{4203DEB5-0B19-4F8E-84E2-00F5861C96F9}"/>
-              </a:ext>
-              <a:ext uri="{C183D7F6-B498-43B3-948B-1728B52AA6E4}">
-                <adec:decorative xmlns:adec="http://schemas.microsoft.com/office/drawing/2017/decorative" val="1"/>
-              </a:ext>
-            </a:extLst>
-          </p:cNvPr>
-          <p:cNvSpPr>
-            <a:spLocks noGrp="1" noRot="1" noChangeAspect="1" noMove="1" noResize="1" noEditPoints="1" noAdjustHandles="1" noChangeArrowheads="1" noChangeShapeType="1" noTextEdit="1"/>
-          </p:cNvSpPr>
-          <p:nvPr>
-            <p:extLst>
-              <p:ext uri="{386F3935-93C4-4BCD-93E2-E3B085C9AB24}">
-                <p16:designElem xmlns:p16="http://schemas.microsoft.com/office/powerpoint/2015/main" val="1"/>
-              </p:ext>
-            </p:extLst>
-          </p:nvPr>
-        </p:nvSpPr>
-        <p:spPr>
-          <a:xfrm>
-            <a:off x="1438656" y="0"/>
-            <a:ext cx="3215640" cy="6858000"/>
-          </a:xfrm>
-          <a:prstGeom prst="rect">
-            <a:avLst/>
-          </a:prstGeom>
-          <a:solidFill>
-            <a:schemeClr val="accent2">
-              <a:lumMod val="75000"/>
-            </a:schemeClr>
-          </a:solidFill>
-          <a:ln>
-            <a:noFill/>
-          </a:ln>
-        </p:spPr>
-        <p:style>
-          <a:lnRef idx="2">
-            <a:schemeClr val="accent1">
-              <a:shade val="50000"/>
-            </a:schemeClr>
-          </a:lnRef>
-          <a:fillRef idx="1">
-            <a:schemeClr val="accent1"/>
-          </a:fillRef>
-          <a:effectRef idx="0">
-            <a:schemeClr val="accent1"/>
-          </a:effectRef>
-          <a:fontRef idx="minor">
-            <a:schemeClr val="lt1"/>
-          </a:fontRef>
-        </p:style>
-        <p:txBody>
-          <a:bodyPr rtlCol="0" anchor="ctr"/>
-          <a:lstStyle/>
-          <a:p>
-            <a:pPr algn="ctr"/>
-            <a:endParaRPr lang="en-US"/>
-          </a:p>
-        </p:txBody>
-      </p:sp>
-    </p:spTree>
-    <p:extLst>
-      <p:ext uri="{BB962C8B-B14F-4D97-AF65-F5344CB8AC3E}">
-        <p14:creationId xmlns:p14="http://schemas.microsoft.com/office/powerpoint/2010/main" val="3520660149"/>
-      </p:ext>
-    </p:extLst>
-  </p:cSld>
-  <p:clrMapOvr>
-    <a:overrideClrMapping bg1="dk1" tx1="lt1" bg2="dk2" tx2="lt2" accent1="accent1" accent2="accent2" accent3="accent3" accent4="accent4" accent5="accent5" accent6="accent6" hlink="hlink" folHlink="folHlink"/>
-  </p:clrMapOvr>
-</p:sld>
-</file>
-
-<file path=ppt/slides/slide9.xml><?xml version="1.0" encoding="utf-8"?>
-<p:sld xmlns:a="http://schemas.openxmlformats.org/drawingml/2006/main" xmlns:r="http://schemas.openxmlformats.org/officeDocument/2006/relationships" xmlns:p="http://schemas.openxmlformats.org/presentationml/2006/main">
-  <p:cSld>
-    <p:spTree>
-      <p:nvGrpSpPr>
-        <p:cNvPr id="1" name=""/>
-        <p:cNvGrpSpPr/>
-        <p:nvPr/>
-      </p:nvGrpSpPr>
-      <p:grpSpPr>
-        <a:xfrm>
-          <a:off x="0" y="0"/>
-          <a:ext cx="0" cy="0"/>
-          <a:chOff x="0" y="0"/>
-          <a:chExt cx="0" cy="0"/>
-        </a:xfrm>
-      </p:grpSpPr>
-      <p:sp>
-        <p:nvSpPr>
-          <p:cNvPr id="2" name="Title 1">
-            <a:extLst>
-              <a:ext uri="{FF2B5EF4-FFF2-40B4-BE49-F238E27FC236}">
-                <a16:creationId xmlns:a16="http://schemas.microsoft.com/office/drawing/2014/main" id="{8F9B7872-3EB2-4F68-921F-71A38D782476}"/>
-              </a:ext>
-            </a:extLst>
-          </p:cNvPr>
-          <p:cNvSpPr>
-            <a:spLocks noGrp="1"/>
-          </p:cNvSpPr>
-          <p:nvPr>
-            <p:ph type="title"/>
-          </p:nvPr>
-        </p:nvSpPr>
-        <p:spPr>
-          <a:xfrm>
-            <a:off x="2231136" y="964692"/>
-            <a:ext cx="7729728" cy="1188720"/>
-          </a:xfrm>
-        </p:spPr>
-        <p:txBody>
-          <a:bodyPr/>
-          <a:lstStyle/>
-          <a:p>
-            <a:r>
-              <a:rPr lang="en-US"/>
-              <a:t>The optimized path</a:t>
-            </a:r>
-            <a:endParaRPr lang="en-US" dirty="0"/>
-          </a:p>
-        </p:txBody>
-      </p:sp>
-      <p:pic>
-        <p:nvPicPr>
-          <p:cNvPr id="5" name="Content Placeholder 4" descr="A close up of a map&#10;&#10;Description automatically generated">
-            <a:extLst>
-              <a:ext uri="{FF2B5EF4-FFF2-40B4-BE49-F238E27FC236}">
-                <a16:creationId xmlns:a16="http://schemas.microsoft.com/office/drawing/2014/main" id="{40D2F24D-13BA-4F6B-A82D-F5D5DA213B38}"/>
-              </a:ext>
-            </a:extLst>
-          </p:cNvPr>
-          <p:cNvPicPr>
-            <a:picLocks noGrp="1" noChangeAspect="1"/>
-          </p:cNvPicPr>
-          <p:nvPr>
-            <p:ph idx="1"/>
-          </p:nvPr>
-        </p:nvPicPr>
-        <p:blipFill>
-          <a:blip r:embed="rId2"/>
-          <a:stretch>
-            <a:fillRect/>
-          </a:stretch>
-        </p:blipFill>
-        <p:spPr>
-          <a:xfrm>
-            <a:off x="3023376" y="2638425"/>
-            <a:ext cx="6145249" cy="3101975"/>
-          </a:xfrm>
-        </p:spPr>
-      </p:pic>
-    </p:spTree>
-    <p:extLst>
-      <p:ext uri="{BB962C8B-B14F-4D97-AF65-F5344CB8AC3E}">
-        <p14:creationId xmlns:p14="http://schemas.microsoft.com/office/powerpoint/2010/main" val="524786744"/>
       </p:ext>
     </p:extLst>
   </p:cSld>
